--- a/REST_Automation_using_Postman.pptx
+++ b/REST_Automation_using_Postman.pptx
@@ -8,6 +8,11 @@
     <p:sldId id="256" r:id="rId2"/>
     <p:sldId id="257" r:id="rId3"/>
     <p:sldId id="258" r:id="rId4"/>
+    <p:sldId id="259" r:id="rId5"/>
+    <p:sldId id="260" r:id="rId6"/>
+    <p:sldId id="261" r:id="rId7"/>
+    <p:sldId id="262" r:id="rId8"/>
+    <p:sldId id="263" r:id="rId9"/>
   </p:sldIdLst>
   <p:sldSz cx="9144000" cy="6858000" type="screen4x3"/>
   <p:notesSz cx="6858000" cy="9144000"/>
@@ -291,7 +296,7 @@
             <a:fld id="{1D8BD707-D9CF-40AE-B4C6-C98DA3205C09}" type="datetimeFigureOut">
               <a:rPr lang="en-US" smtClean="0"/>
               <a:pPr/>
-              <a:t>1/8/2019</a:t>
+              <a:t>1/9/2019</a:t>
             </a:fld>
             <a:endParaRPr lang="en-US"/>
           </a:p>
@@ -458,7 +463,7 @@
             <a:fld id="{1D8BD707-D9CF-40AE-B4C6-C98DA3205C09}" type="datetimeFigureOut">
               <a:rPr lang="en-US" smtClean="0"/>
               <a:pPr/>
-              <a:t>1/8/2019</a:t>
+              <a:t>1/9/2019</a:t>
             </a:fld>
             <a:endParaRPr lang="en-US"/>
           </a:p>
@@ -635,7 +640,7 @@
             <a:fld id="{1D8BD707-D9CF-40AE-B4C6-C98DA3205C09}" type="datetimeFigureOut">
               <a:rPr lang="en-US" smtClean="0"/>
               <a:pPr/>
-              <a:t>1/8/2019</a:t>
+              <a:t>1/9/2019</a:t>
             </a:fld>
             <a:endParaRPr lang="en-US"/>
           </a:p>
@@ -802,7 +807,7 @@
             <a:fld id="{1D8BD707-D9CF-40AE-B4C6-C98DA3205C09}" type="datetimeFigureOut">
               <a:rPr lang="en-US" smtClean="0"/>
               <a:pPr/>
-              <a:t>1/8/2019</a:t>
+              <a:t>1/9/2019</a:t>
             </a:fld>
             <a:endParaRPr lang="en-US"/>
           </a:p>
@@ -1045,7 +1050,7 @@
             <a:fld id="{1D8BD707-D9CF-40AE-B4C6-C98DA3205C09}" type="datetimeFigureOut">
               <a:rPr lang="en-US" smtClean="0"/>
               <a:pPr/>
-              <a:t>1/8/2019</a:t>
+              <a:t>1/9/2019</a:t>
             </a:fld>
             <a:endParaRPr lang="en-US"/>
           </a:p>
@@ -1330,7 +1335,7 @@
             <a:fld id="{1D8BD707-D9CF-40AE-B4C6-C98DA3205C09}" type="datetimeFigureOut">
               <a:rPr lang="en-US" smtClean="0"/>
               <a:pPr/>
-              <a:t>1/8/2019</a:t>
+              <a:t>1/9/2019</a:t>
             </a:fld>
             <a:endParaRPr lang="en-US"/>
           </a:p>
@@ -1749,7 +1754,7 @@
             <a:fld id="{1D8BD707-D9CF-40AE-B4C6-C98DA3205C09}" type="datetimeFigureOut">
               <a:rPr lang="en-US" smtClean="0"/>
               <a:pPr/>
-              <a:t>1/8/2019</a:t>
+              <a:t>1/9/2019</a:t>
             </a:fld>
             <a:endParaRPr lang="en-US"/>
           </a:p>
@@ -1864,7 +1869,7 @@
             <a:fld id="{1D8BD707-D9CF-40AE-B4C6-C98DA3205C09}" type="datetimeFigureOut">
               <a:rPr lang="en-US" smtClean="0"/>
               <a:pPr/>
-              <a:t>1/8/2019</a:t>
+              <a:t>1/9/2019</a:t>
             </a:fld>
             <a:endParaRPr lang="en-US"/>
           </a:p>
@@ -1956,7 +1961,7 @@
             <a:fld id="{1D8BD707-D9CF-40AE-B4C6-C98DA3205C09}" type="datetimeFigureOut">
               <a:rPr lang="en-US" smtClean="0"/>
               <a:pPr/>
-              <a:t>1/8/2019</a:t>
+              <a:t>1/9/2019</a:t>
             </a:fld>
             <a:endParaRPr lang="en-US"/>
           </a:p>
@@ -2230,7 +2235,7 @@
             <a:fld id="{1D8BD707-D9CF-40AE-B4C6-C98DA3205C09}" type="datetimeFigureOut">
               <a:rPr lang="en-US" smtClean="0"/>
               <a:pPr/>
-              <a:t>1/8/2019</a:t>
+              <a:t>1/9/2019</a:t>
             </a:fld>
             <a:endParaRPr lang="en-US"/>
           </a:p>
@@ -2480,7 +2485,7 @@
             <a:fld id="{1D8BD707-D9CF-40AE-B4C6-C98DA3205C09}" type="datetimeFigureOut">
               <a:rPr lang="en-US" smtClean="0"/>
               <a:pPr/>
-              <a:t>1/8/2019</a:t>
+              <a:t>1/9/2019</a:t>
             </a:fld>
             <a:endParaRPr lang="en-US"/>
           </a:p>
@@ -2690,7 +2695,7 @@
             <a:fld id="{1D8BD707-D9CF-40AE-B4C6-C98DA3205C09}" type="datetimeFigureOut">
               <a:rPr lang="en-US" smtClean="0"/>
               <a:pPr/>
-              <a:t>1/8/2019</a:t>
+              <a:t>1/9/2019</a:t>
             </a:fld>
             <a:endParaRPr lang="en-US"/>
           </a:p>
@@ -3293,9 +3298,10 @@
               <a:buChar char="•"/>
             </a:pPr>
             <a:r>
-              <a:rPr lang="en-US" sz="2800" dirty="0" smtClean="0"/>
-              <a:t>Learning Materials</a:t>
-            </a:r>
+              <a:rPr lang="en-US" sz="2800" smtClean="0"/>
+              <a:t>References &amp; Learning</a:t>
+            </a:r>
+            <a:endParaRPr lang="en-US" sz="2800" dirty="0" smtClean="0"/>
           </a:p>
         </p:txBody>
       </p:sp>
@@ -3329,7 +3335,7 @@
           <p:cNvPr id="75" name="Rectangle 74">
             <a:extLst>
               <a:ext uri="{FF2B5EF4-FFF2-40B4-BE49-F238E27FC236}">
-                <a16:creationId xmlns:a16="http://schemas.microsoft.com/office/drawing/2014/main" xmlns="" id="{35676C20-4CA7-4B55-B846-C0251D709E8A}"/>
+                <a16:creationId xmlns="" xmlns:a16="http://schemas.microsoft.com/office/drawing/2014/main" id="{35676C20-4CA7-4B55-B846-C0251D709E8A}"/>
               </a:ext>
             </a:extLst>
           </p:cNvPr>
@@ -3425,9 +3431,9 @@
         <p:grpSpPr>
           <a:xfrm>
             <a:off x="381000" y="2973288"/>
-            <a:ext cx="7620000" cy="3315241"/>
+            <a:ext cx="7620000" cy="3130575"/>
             <a:chOff x="228600" y="1219200"/>
-            <a:chExt cx="8839200" cy="4857914"/>
+            <a:chExt cx="8839200" cy="4587317"/>
           </a:xfrm>
         </p:grpSpPr>
         <p:sp>
@@ -3435,7 +3441,7 @@
             <p:cNvPr id="5" name="Figure">
               <a:extLst>
                 <a:ext uri="{FF2B5EF4-FFF2-40B4-BE49-F238E27FC236}">
-                  <a16:creationId xmlns:a16="http://schemas.microsoft.com/office/drawing/2014/main" xmlns="" id="{E74E216C-AE2F-479E-8C6A-31E99D3C6598}"/>
+                  <a16:creationId xmlns="" xmlns:a16="http://schemas.microsoft.com/office/drawing/2014/main" id="{E74E216C-AE2F-479E-8C6A-31E99D3C6598}"/>
                 </a:ext>
               </a:extLst>
             </p:cNvPr>
@@ -3556,7 +3562,7 @@
             <p:cNvPr id="6" name="Figure">
               <a:extLst>
                 <a:ext uri="{FF2B5EF4-FFF2-40B4-BE49-F238E27FC236}">
-                  <a16:creationId xmlns:a16="http://schemas.microsoft.com/office/drawing/2014/main" xmlns="" id="{2CBFC46F-BA54-4A54-BB11-C68AB4F2C5DB}"/>
+                  <a16:creationId xmlns="" xmlns:a16="http://schemas.microsoft.com/office/drawing/2014/main" id="{2CBFC46F-BA54-4A54-BB11-C68AB4F2C5DB}"/>
                 </a:ext>
               </a:extLst>
             </p:cNvPr>
@@ -3665,7 +3671,7 @@
             <p:cNvPr id="7" name="Figure">
               <a:extLst>
                 <a:ext uri="{FF2B5EF4-FFF2-40B4-BE49-F238E27FC236}">
-                  <a16:creationId xmlns:a16="http://schemas.microsoft.com/office/drawing/2014/main" xmlns="" id="{76F8390E-136B-4692-BA30-8A59D3B00231}"/>
+                  <a16:creationId xmlns="" xmlns:a16="http://schemas.microsoft.com/office/drawing/2014/main" id="{76F8390E-136B-4692-BA30-8A59D3B00231}"/>
                 </a:ext>
               </a:extLst>
             </p:cNvPr>
@@ -3777,7 +3783,7 @@
             <p:cNvPr id="8" name="Figure">
               <a:extLst>
                 <a:ext uri="{FF2B5EF4-FFF2-40B4-BE49-F238E27FC236}">
-                  <a16:creationId xmlns:a16="http://schemas.microsoft.com/office/drawing/2014/main" xmlns="" id="{D81A0F75-783D-4AA7-ABFE-74666C52ADFD}"/>
+                  <a16:creationId xmlns="" xmlns:a16="http://schemas.microsoft.com/office/drawing/2014/main" id="{D81A0F75-783D-4AA7-ABFE-74666C52ADFD}"/>
                 </a:ext>
               </a:extLst>
             </p:cNvPr>
@@ -3889,7 +3895,7 @@
             <p:cNvPr id="9" name="Figure">
               <a:extLst>
                 <a:ext uri="{FF2B5EF4-FFF2-40B4-BE49-F238E27FC236}">
-                  <a16:creationId xmlns:a16="http://schemas.microsoft.com/office/drawing/2014/main" xmlns="" id="{AE14E21F-CF15-485D-9311-3237B21BE26B}"/>
+                  <a16:creationId xmlns="" xmlns:a16="http://schemas.microsoft.com/office/drawing/2014/main" id="{AE14E21F-CF15-485D-9311-3237B21BE26B}"/>
                 </a:ext>
               </a:extLst>
             </p:cNvPr>
@@ -3998,7 +4004,7 @@
             <p:cNvPr id="10" name="Figure">
               <a:extLst>
                 <a:ext uri="{FF2B5EF4-FFF2-40B4-BE49-F238E27FC236}">
-                  <a16:creationId xmlns:a16="http://schemas.microsoft.com/office/drawing/2014/main" xmlns="" id="{E732898F-31A2-4071-BFD2-1FA803DE4210}"/>
+                  <a16:creationId xmlns="" xmlns:a16="http://schemas.microsoft.com/office/drawing/2014/main" id="{E732898F-31A2-4071-BFD2-1FA803DE4210}"/>
                 </a:ext>
               </a:extLst>
             </p:cNvPr>
@@ -4107,7 +4113,7 @@
             <p:cNvPr id="11" name="Figure">
               <a:extLst>
                 <a:ext uri="{FF2B5EF4-FFF2-40B4-BE49-F238E27FC236}">
-                  <a16:creationId xmlns:a16="http://schemas.microsoft.com/office/drawing/2014/main" xmlns="" id="{33DBC621-A33F-4ADC-911F-33D5C526FAD9}"/>
+                  <a16:creationId xmlns="" xmlns:a16="http://schemas.microsoft.com/office/drawing/2014/main" id="{33DBC621-A33F-4ADC-911F-33D5C526FAD9}"/>
                 </a:ext>
               </a:extLst>
             </p:cNvPr>
@@ -4216,7 +4222,7 @@
             <p:cNvPr id="12" name="Freeform: Shape 49">
               <a:extLst>
                 <a:ext uri="{FF2B5EF4-FFF2-40B4-BE49-F238E27FC236}">
-                  <a16:creationId xmlns:a16="http://schemas.microsoft.com/office/drawing/2014/main" xmlns="" id="{8D7CBBF7-A6FC-4E97-9334-F764180AA075}"/>
+                  <a16:creationId xmlns="" xmlns:a16="http://schemas.microsoft.com/office/drawing/2014/main" id="{8D7CBBF7-A6FC-4E97-9334-F764180AA075}"/>
                 </a:ext>
               </a:extLst>
             </p:cNvPr>
@@ -4338,7 +4344,7 @@
             <p:cNvPr id="13" name="Figure">
               <a:extLst>
                 <a:ext uri="{FF2B5EF4-FFF2-40B4-BE49-F238E27FC236}">
-                  <a16:creationId xmlns:a16="http://schemas.microsoft.com/office/drawing/2014/main" xmlns="" id="{49AAC9BA-414A-4D2A-BA1B-737D6C3578EB}"/>
+                  <a16:creationId xmlns="" xmlns:a16="http://schemas.microsoft.com/office/drawing/2014/main" id="{49AAC9BA-414A-4D2A-BA1B-737D6C3578EB}"/>
                 </a:ext>
               </a:extLst>
             </p:cNvPr>
@@ -4440,7 +4446,7 @@
             <p:cNvPr id="14" name="Figure">
               <a:extLst>
                 <a:ext uri="{FF2B5EF4-FFF2-40B4-BE49-F238E27FC236}">
-                  <a16:creationId xmlns:a16="http://schemas.microsoft.com/office/drawing/2014/main" xmlns="" id="{876AD4CF-84BC-4A77-BC85-B861FF44CD51}"/>
+                  <a16:creationId xmlns="" xmlns:a16="http://schemas.microsoft.com/office/drawing/2014/main" id="{876AD4CF-84BC-4A77-BC85-B861FF44CD51}"/>
                 </a:ext>
               </a:extLst>
             </p:cNvPr>
@@ -4539,7 +4545,7 @@
             <p:cNvPr id="15" name="Figure">
               <a:extLst>
                 <a:ext uri="{FF2B5EF4-FFF2-40B4-BE49-F238E27FC236}">
-                  <a16:creationId xmlns:a16="http://schemas.microsoft.com/office/drawing/2014/main" xmlns="" id="{3885F005-71DF-4713-92A9-D2B77E64751B}"/>
+                  <a16:creationId xmlns="" xmlns:a16="http://schemas.microsoft.com/office/drawing/2014/main" id="{3885F005-71DF-4713-92A9-D2B77E64751B}"/>
                 </a:ext>
               </a:extLst>
             </p:cNvPr>
@@ -4632,7 +4638,7 @@
             <p:cNvPr id="16" name="Figure">
               <a:extLst>
                 <a:ext uri="{FF2B5EF4-FFF2-40B4-BE49-F238E27FC236}">
-                  <a16:creationId xmlns:a16="http://schemas.microsoft.com/office/drawing/2014/main" xmlns="" id="{4209394B-93F3-4926-8E9F-199133CF2991}"/>
+                  <a16:creationId xmlns="" xmlns:a16="http://schemas.microsoft.com/office/drawing/2014/main" id="{4209394B-93F3-4926-8E9F-199133CF2991}"/>
                 </a:ext>
               </a:extLst>
             </p:cNvPr>
@@ -4723,7 +4729,7 @@
             <p:cNvPr id="17" name="Figure">
               <a:extLst>
                 <a:ext uri="{FF2B5EF4-FFF2-40B4-BE49-F238E27FC236}">
-                  <a16:creationId xmlns:a16="http://schemas.microsoft.com/office/drawing/2014/main" xmlns="" id="{B907CD27-4AED-4AC4-9EFA-CFD8FA7DCE1A}"/>
+                  <a16:creationId xmlns="" xmlns:a16="http://schemas.microsoft.com/office/drawing/2014/main" id="{B907CD27-4AED-4AC4-9EFA-CFD8FA7DCE1A}"/>
                 </a:ext>
               </a:extLst>
             </p:cNvPr>
@@ -4822,7 +4828,7 @@
             <p:cNvPr id="18" name="Figure">
               <a:extLst>
                 <a:ext uri="{FF2B5EF4-FFF2-40B4-BE49-F238E27FC236}">
-                  <a16:creationId xmlns:a16="http://schemas.microsoft.com/office/drawing/2014/main" xmlns="" id="{C9CC2DAA-A085-40F5-8398-C493488C7B93}"/>
+                  <a16:creationId xmlns="" xmlns:a16="http://schemas.microsoft.com/office/drawing/2014/main" id="{C9CC2DAA-A085-40F5-8398-C493488C7B93}"/>
                 </a:ext>
               </a:extLst>
             </p:cNvPr>
@@ -4944,7 +4950,7 @@
             <p:cNvPr id="25" name="Group 24">
               <a:extLst>
                 <a:ext uri="{FF2B5EF4-FFF2-40B4-BE49-F238E27FC236}">
-                  <a16:creationId xmlns:a16="http://schemas.microsoft.com/office/drawing/2014/main" xmlns="" id="{5A4026E9-0380-44EB-A72A-5A19295C6EDB}"/>
+                  <a16:creationId xmlns="" xmlns:a16="http://schemas.microsoft.com/office/drawing/2014/main" id="{5A4026E9-0380-44EB-A72A-5A19295C6EDB}"/>
                 </a:ext>
               </a:extLst>
             </p:cNvPr>
@@ -4954,9 +4960,9 @@
           <p:grpSpPr>
             <a:xfrm>
               <a:off x="6974393" y="2966533"/>
-              <a:ext cx="1925752" cy="1300631"/>
+              <a:ext cx="1925752" cy="872186"/>
               <a:chOff x="6974393" y="3025362"/>
-              <a:chExt cx="1925752" cy="1300631"/>
+              <a:chExt cx="1925752" cy="872186"/>
             </a:xfrm>
           </p:grpSpPr>
           <p:sp>
@@ -4964,7 +4970,7 @@
               <p:cNvPr id="26" name="TextBox 25">
                 <a:extLst>
                   <a:ext uri="{FF2B5EF4-FFF2-40B4-BE49-F238E27FC236}">
-                    <a16:creationId xmlns:a16="http://schemas.microsoft.com/office/drawing/2014/main" xmlns="" id="{FCEA7752-8BED-4B5E-B142-1851190F53FA}"/>
+                    <a16:creationId xmlns="" xmlns:a16="http://schemas.microsoft.com/office/drawing/2014/main" id="{FCEA7752-8BED-4B5E-B142-1851190F53FA}"/>
                   </a:ext>
                 </a:extLst>
               </p:cNvPr>
@@ -5008,7 +5014,7 @@
               <p:cNvPr id="27" name="TextBox 26">
                 <a:extLst>
                   <a:ext uri="{FF2B5EF4-FFF2-40B4-BE49-F238E27FC236}">
-                    <a16:creationId xmlns:a16="http://schemas.microsoft.com/office/drawing/2014/main" xmlns="" id="{D8A749D2-AD12-4586-9AEC-31C640DD822D}"/>
+                    <a16:creationId xmlns="" xmlns:a16="http://schemas.microsoft.com/office/drawing/2014/main" id="{D8A749D2-AD12-4586-9AEC-31C640DD822D}"/>
                   </a:ext>
                 </a:extLst>
               </p:cNvPr>
@@ -5018,7 +5024,7 @@
             <p:spPr>
               <a:xfrm>
                 <a:off x="6979504" y="3401456"/>
-                <a:ext cx="1920641" cy="924537"/>
+                <a:ext cx="1920641" cy="496092"/>
               </a:xfrm>
               <a:prstGeom prst="rect">
                 <a:avLst/>
@@ -5033,15 +5039,8 @@
               <a:p>
                 <a:pPr algn="just"/>
                 <a:r>
-                  <a:rPr lang="en-US" sz="700">
-                    <a:solidFill>
-                      <a:schemeClr val="tx1">
-                        <a:lumMod val="65000"/>
-                        <a:lumOff val="35000"/>
-                      </a:schemeClr>
-                    </a:solidFill>
-                  </a:rPr>
-                  <a:t>Lorem ipsum dolor sit amet, nibh est. A magna maecenas, quam magna nec quis, lorem nunc. Suspendisse viverra sodales mauris, cras pharetra proin egestas arcu erat dolor, at amet. </a:t>
+                  <a:rPr lang="en-IN" sz="800" dirty="0" smtClean="0"/>
+                  <a:t>Test APIs, examine responses, add tests and scripts</a:t>
                 </a:r>
                 <a:endParaRPr lang="en-US" sz="700" dirty="0">
                   <a:solidFill>
@@ -5060,7 +5059,7 @@
             <p:cNvPr id="28" name="Group 27">
               <a:extLst>
                 <a:ext uri="{FF2B5EF4-FFF2-40B4-BE49-F238E27FC236}">
-                  <a16:creationId xmlns:a16="http://schemas.microsoft.com/office/drawing/2014/main" xmlns="" id="{36B284F4-B7E7-480D-B8F0-1E596CD2EBF6}"/>
+                  <a16:creationId xmlns="" xmlns:a16="http://schemas.microsoft.com/office/drawing/2014/main" id="{36B284F4-B7E7-480D-B8F0-1E596CD2EBF6}"/>
                 </a:ext>
               </a:extLst>
             </p:cNvPr>
@@ -5070,9 +5069,9 @@
           <p:grpSpPr>
             <a:xfrm>
               <a:off x="6400801" y="4621698"/>
-              <a:ext cx="2590799" cy="1455416"/>
+              <a:ext cx="2590799" cy="1184819"/>
               <a:chOff x="6691482" y="4757378"/>
-              <a:chExt cx="2288773" cy="1455416"/>
+              <a:chExt cx="2288773" cy="1184819"/>
             </a:xfrm>
           </p:grpSpPr>
           <p:sp>
@@ -5080,7 +5079,7 @@
               <p:cNvPr id="29" name="TextBox 28">
                 <a:extLst>
                   <a:ext uri="{FF2B5EF4-FFF2-40B4-BE49-F238E27FC236}">
-                    <a16:creationId xmlns:a16="http://schemas.microsoft.com/office/drawing/2014/main" xmlns="" id="{1621D2EA-AF81-4BF9-AC70-176D18AB386D}"/>
+                    <a16:creationId xmlns="" xmlns:a16="http://schemas.microsoft.com/office/drawing/2014/main" id="{1621D2EA-AF81-4BF9-AC70-176D18AB386D}"/>
                   </a:ext>
                 </a:extLst>
               </p:cNvPr>
@@ -5134,7 +5133,7 @@
               <p:cNvPr id="30" name="TextBox 29">
                 <a:extLst>
                   <a:ext uri="{FF2B5EF4-FFF2-40B4-BE49-F238E27FC236}">
-                    <a16:creationId xmlns:a16="http://schemas.microsoft.com/office/drawing/2014/main" xmlns="" id="{E9A6793A-46FD-4502-9821-83E49A61BCE9}"/>
+                    <a16:creationId xmlns="" xmlns:a16="http://schemas.microsoft.com/office/drawing/2014/main" id="{E9A6793A-46FD-4502-9821-83E49A61BCE9}"/>
                   </a:ext>
                 </a:extLst>
               </p:cNvPr>
@@ -5144,7 +5143,7 @@
             <p:spPr>
               <a:xfrm>
                 <a:off x="6697329" y="5446105"/>
-                <a:ext cx="2196969" cy="766689"/>
+                <a:ext cx="2196969" cy="496092"/>
               </a:xfrm>
               <a:prstGeom prst="rect">
                 <a:avLst/>
@@ -5159,445 +5158,17 @@
               <a:p>
                 <a:pPr algn="just"/>
                 <a:r>
-                  <a:rPr lang="en-US" sz="700" dirty="0" err="1">
-                    <a:solidFill>
-                      <a:schemeClr val="tx1">
-                        <a:lumMod val="65000"/>
-                        <a:lumOff val="35000"/>
-                      </a:schemeClr>
-                    </a:solidFill>
-                  </a:rPr>
-                  <a:t>Lorem</a:t>
+                  <a:rPr lang="en-IN" sz="800" dirty="0" smtClean="0"/>
+                  <a:t>Run automated tests using the Postman collection runner</a:t>
                 </a:r>
-                <a:r>
-                  <a:rPr lang="en-US" sz="700" dirty="0">
-                    <a:solidFill>
-                      <a:schemeClr val="tx1">
-                        <a:lumMod val="65000"/>
-                        <a:lumOff val="35000"/>
-                      </a:schemeClr>
-                    </a:solidFill>
-                  </a:rPr>
-                  <a:t> </a:t>
-                </a:r>
-                <a:r>
-                  <a:rPr lang="en-US" sz="700" dirty="0" err="1">
-                    <a:solidFill>
-                      <a:schemeClr val="tx1">
-                        <a:lumMod val="65000"/>
-                        <a:lumOff val="35000"/>
-                      </a:schemeClr>
-                    </a:solidFill>
-                  </a:rPr>
-                  <a:t>ipsum</a:t>
-                </a:r>
-                <a:r>
-                  <a:rPr lang="en-US" sz="700" dirty="0">
-                    <a:solidFill>
-                      <a:schemeClr val="tx1">
-                        <a:lumMod val="65000"/>
-                        <a:lumOff val="35000"/>
-                      </a:schemeClr>
-                    </a:solidFill>
-                  </a:rPr>
-                  <a:t> dolor sit </a:t>
-                </a:r>
-                <a:r>
-                  <a:rPr lang="en-US" sz="700" dirty="0" err="1">
-                    <a:solidFill>
-                      <a:schemeClr val="tx1">
-                        <a:lumMod val="65000"/>
-                        <a:lumOff val="35000"/>
-                      </a:schemeClr>
-                    </a:solidFill>
-                  </a:rPr>
-                  <a:t>amet</a:t>
-                </a:r>
-                <a:r>
-                  <a:rPr lang="en-US" sz="700" dirty="0">
-                    <a:solidFill>
-                      <a:schemeClr val="tx1">
-                        <a:lumMod val="65000"/>
-                        <a:lumOff val="35000"/>
-                      </a:schemeClr>
-                    </a:solidFill>
-                  </a:rPr>
-                  <a:t>, </a:t>
-                </a:r>
-                <a:r>
-                  <a:rPr lang="en-US" sz="700" dirty="0" err="1">
-                    <a:solidFill>
-                      <a:schemeClr val="tx1">
-                        <a:lumMod val="65000"/>
-                        <a:lumOff val="35000"/>
-                      </a:schemeClr>
-                    </a:solidFill>
-                  </a:rPr>
-                  <a:t>nibh</a:t>
-                </a:r>
-                <a:r>
-                  <a:rPr lang="en-US" sz="700" dirty="0">
-                    <a:solidFill>
-                      <a:schemeClr val="tx1">
-                        <a:lumMod val="65000"/>
-                        <a:lumOff val="35000"/>
-                      </a:schemeClr>
-                    </a:solidFill>
-                  </a:rPr>
-                  <a:t> est. A magna </a:t>
-                </a:r>
-                <a:r>
-                  <a:rPr lang="en-US" sz="700" dirty="0" err="1">
-                    <a:solidFill>
-                      <a:schemeClr val="tx1">
-                        <a:lumMod val="65000"/>
-                        <a:lumOff val="35000"/>
-                      </a:schemeClr>
-                    </a:solidFill>
-                  </a:rPr>
-                  <a:t>maecenas</a:t>
-                </a:r>
-                <a:r>
-                  <a:rPr lang="en-US" sz="700" dirty="0">
-                    <a:solidFill>
-                      <a:schemeClr val="tx1">
-                        <a:lumMod val="65000"/>
-                        <a:lumOff val="35000"/>
-                      </a:schemeClr>
-                    </a:solidFill>
-                  </a:rPr>
-                  <a:t>, quam magna </a:t>
-                </a:r>
-                <a:r>
-                  <a:rPr lang="en-US" sz="700" dirty="0" err="1">
-                    <a:solidFill>
-                      <a:schemeClr val="tx1">
-                        <a:lumMod val="65000"/>
-                        <a:lumOff val="35000"/>
-                      </a:schemeClr>
-                    </a:solidFill>
-                  </a:rPr>
-                  <a:t>nec</a:t>
-                </a:r>
-                <a:r>
-                  <a:rPr lang="en-US" sz="700" dirty="0">
-                    <a:solidFill>
-                      <a:schemeClr val="tx1">
-                        <a:lumMod val="65000"/>
-                        <a:lumOff val="35000"/>
-                      </a:schemeClr>
-                    </a:solidFill>
-                  </a:rPr>
-                  <a:t> </a:t>
-                </a:r>
-                <a:r>
-                  <a:rPr lang="en-US" sz="700" dirty="0" err="1">
-                    <a:solidFill>
-                      <a:schemeClr val="tx1">
-                        <a:lumMod val="65000"/>
-                        <a:lumOff val="35000"/>
-                      </a:schemeClr>
-                    </a:solidFill>
-                  </a:rPr>
-                  <a:t>quis</a:t>
-                </a:r>
-                <a:r>
-                  <a:rPr lang="en-US" sz="700" dirty="0">
-                    <a:solidFill>
-                      <a:schemeClr val="tx1">
-                        <a:lumMod val="65000"/>
-                        <a:lumOff val="35000"/>
-                      </a:schemeClr>
-                    </a:solidFill>
-                  </a:rPr>
-                  <a:t>, </a:t>
-                </a:r>
-                <a:r>
-                  <a:rPr lang="en-US" sz="700" dirty="0" err="1">
-                    <a:solidFill>
-                      <a:schemeClr val="tx1">
-                        <a:lumMod val="65000"/>
-                        <a:lumOff val="35000"/>
-                      </a:schemeClr>
-                    </a:solidFill>
-                  </a:rPr>
-                  <a:t>lorem</a:t>
-                </a:r>
-                <a:r>
-                  <a:rPr lang="en-US" sz="700" dirty="0">
-                    <a:solidFill>
-                      <a:schemeClr val="tx1">
-                        <a:lumMod val="65000"/>
-                        <a:lumOff val="35000"/>
-                      </a:schemeClr>
-                    </a:solidFill>
-                  </a:rPr>
-                  <a:t> </a:t>
-                </a:r>
-                <a:r>
-                  <a:rPr lang="en-US" sz="700" dirty="0" err="1">
-                    <a:solidFill>
-                      <a:schemeClr val="tx1">
-                        <a:lumMod val="65000"/>
-                        <a:lumOff val="35000"/>
-                      </a:schemeClr>
-                    </a:solidFill>
-                  </a:rPr>
-                  <a:t>nunc</a:t>
-                </a:r>
-                <a:r>
-                  <a:rPr lang="en-US" sz="700" dirty="0">
-                    <a:solidFill>
-                      <a:schemeClr val="tx1">
-                        <a:lumMod val="65000"/>
-                        <a:lumOff val="35000"/>
-                      </a:schemeClr>
-                    </a:solidFill>
-                  </a:rPr>
-                  <a:t>. </a:t>
-                </a:r>
-                <a:r>
-                  <a:rPr lang="en-US" sz="700" dirty="0" err="1">
-                    <a:solidFill>
-                      <a:schemeClr val="tx1">
-                        <a:lumMod val="65000"/>
-                        <a:lumOff val="35000"/>
-                      </a:schemeClr>
-                    </a:solidFill>
-                  </a:rPr>
-                  <a:t>Suspendisse</a:t>
-                </a:r>
-                <a:r>
-                  <a:rPr lang="en-US" sz="700" dirty="0">
-                    <a:solidFill>
-                      <a:schemeClr val="tx1">
-                        <a:lumMod val="65000"/>
-                        <a:lumOff val="35000"/>
-                      </a:schemeClr>
-                    </a:solidFill>
-                  </a:rPr>
-                  <a:t> </a:t>
-                </a:r>
-                <a:r>
-                  <a:rPr lang="en-US" sz="700" dirty="0" err="1">
-                    <a:solidFill>
-                      <a:schemeClr val="tx1">
-                        <a:lumMod val="65000"/>
-                        <a:lumOff val="35000"/>
-                      </a:schemeClr>
-                    </a:solidFill>
-                  </a:rPr>
-                  <a:t>viverra</a:t>
-                </a:r>
-                <a:r>
-                  <a:rPr lang="en-US" sz="700" dirty="0">
-                    <a:solidFill>
-                      <a:schemeClr val="tx1">
-                        <a:lumMod val="65000"/>
-                        <a:lumOff val="35000"/>
-                      </a:schemeClr>
-                    </a:solidFill>
-                  </a:rPr>
-                  <a:t> </a:t>
-                </a:r>
-                <a:r>
-                  <a:rPr lang="en-US" sz="700" dirty="0" err="1">
-                    <a:solidFill>
-                      <a:schemeClr val="tx1">
-                        <a:lumMod val="65000"/>
-                        <a:lumOff val="35000"/>
-                      </a:schemeClr>
-                    </a:solidFill>
-                  </a:rPr>
-                  <a:t>sodales</a:t>
-                </a:r>
-                <a:r>
-                  <a:rPr lang="en-US" sz="700" dirty="0">
-                    <a:solidFill>
-                      <a:schemeClr val="tx1">
-                        <a:lumMod val="65000"/>
-                        <a:lumOff val="35000"/>
-                      </a:schemeClr>
-                    </a:solidFill>
-                  </a:rPr>
-                  <a:t> </a:t>
-                </a:r>
-                <a:r>
-                  <a:rPr lang="en-US" sz="700" dirty="0" err="1">
-                    <a:solidFill>
-                      <a:schemeClr val="tx1">
-                        <a:lumMod val="65000"/>
-                        <a:lumOff val="35000"/>
-                      </a:schemeClr>
-                    </a:solidFill>
-                  </a:rPr>
-                  <a:t>mauris</a:t>
-                </a:r>
-                <a:r>
-                  <a:rPr lang="en-US" sz="700" dirty="0">
-                    <a:solidFill>
-                      <a:schemeClr val="tx1">
-                        <a:lumMod val="65000"/>
-                        <a:lumOff val="35000"/>
-                      </a:schemeClr>
-                    </a:solidFill>
-                  </a:rPr>
-                  <a:t>, </a:t>
-                </a:r>
-                <a:r>
-                  <a:rPr lang="en-US" sz="700" dirty="0" err="1">
-                    <a:solidFill>
-                      <a:schemeClr val="tx1">
-                        <a:lumMod val="65000"/>
-                        <a:lumOff val="35000"/>
-                      </a:schemeClr>
-                    </a:solidFill>
-                  </a:rPr>
-                  <a:t>cras</a:t>
-                </a:r>
-                <a:r>
-                  <a:rPr lang="en-US" sz="700" dirty="0">
-                    <a:solidFill>
-                      <a:schemeClr val="tx1">
-                        <a:lumMod val="65000"/>
-                        <a:lumOff val="35000"/>
-                      </a:schemeClr>
-                    </a:solidFill>
-                  </a:rPr>
-                  <a:t> </a:t>
-                </a:r>
-                <a:r>
-                  <a:rPr lang="en-US" sz="700" dirty="0" err="1">
-                    <a:solidFill>
-                      <a:schemeClr val="tx1">
-                        <a:lumMod val="65000"/>
-                        <a:lumOff val="35000"/>
-                      </a:schemeClr>
-                    </a:solidFill>
-                  </a:rPr>
-                  <a:t>pharetra</a:t>
-                </a:r>
-                <a:r>
-                  <a:rPr lang="en-US" sz="700" dirty="0">
-                    <a:solidFill>
-                      <a:schemeClr val="tx1">
-                        <a:lumMod val="65000"/>
-                        <a:lumOff val="35000"/>
-                      </a:schemeClr>
-                    </a:solidFill>
-                  </a:rPr>
-                  <a:t> </a:t>
-                </a:r>
-                <a:r>
-                  <a:rPr lang="en-US" sz="700" dirty="0" err="1">
-                    <a:solidFill>
-                      <a:schemeClr val="tx1">
-                        <a:lumMod val="65000"/>
-                        <a:lumOff val="35000"/>
-                      </a:schemeClr>
-                    </a:solidFill>
-                  </a:rPr>
-                  <a:t>proin</a:t>
-                </a:r>
-                <a:r>
-                  <a:rPr lang="en-US" sz="700" dirty="0">
-                    <a:solidFill>
-                      <a:schemeClr val="tx1">
-                        <a:lumMod val="65000"/>
-                        <a:lumOff val="35000"/>
-                      </a:schemeClr>
-                    </a:solidFill>
-                  </a:rPr>
-                  <a:t> </a:t>
-                </a:r>
-                <a:r>
-                  <a:rPr lang="en-US" sz="700" dirty="0" err="1">
-                    <a:solidFill>
-                      <a:schemeClr val="tx1">
-                        <a:lumMod val="65000"/>
-                        <a:lumOff val="35000"/>
-                      </a:schemeClr>
-                    </a:solidFill>
-                  </a:rPr>
-                  <a:t>egestas</a:t>
-                </a:r>
-                <a:r>
-                  <a:rPr lang="en-US" sz="700" dirty="0">
-                    <a:solidFill>
-                      <a:schemeClr val="tx1">
-                        <a:lumMod val="65000"/>
-                        <a:lumOff val="35000"/>
-                      </a:schemeClr>
-                    </a:solidFill>
-                  </a:rPr>
-                  <a:t> </a:t>
-                </a:r>
-                <a:r>
-                  <a:rPr lang="en-US" sz="700" dirty="0" err="1">
-                    <a:solidFill>
-                      <a:schemeClr val="tx1">
-                        <a:lumMod val="65000"/>
-                        <a:lumOff val="35000"/>
-                      </a:schemeClr>
-                    </a:solidFill>
-                  </a:rPr>
-                  <a:t>arcu</a:t>
-                </a:r>
-                <a:r>
-                  <a:rPr lang="en-US" sz="700" dirty="0">
-                    <a:solidFill>
-                      <a:schemeClr val="tx1">
-                        <a:lumMod val="65000"/>
-                        <a:lumOff val="35000"/>
-                      </a:schemeClr>
-                    </a:solidFill>
-                  </a:rPr>
-                  <a:t> </a:t>
-                </a:r>
-                <a:r>
-                  <a:rPr lang="en-US" sz="700" dirty="0" err="1">
-                    <a:solidFill>
-                      <a:schemeClr val="tx1">
-                        <a:lumMod val="65000"/>
-                        <a:lumOff val="35000"/>
-                      </a:schemeClr>
-                    </a:solidFill>
-                  </a:rPr>
-                  <a:t>erat</a:t>
-                </a:r>
-                <a:r>
-                  <a:rPr lang="en-US" sz="700" dirty="0">
-                    <a:solidFill>
-                      <a:schemeClr val="tx1">
-                        <a:lumMod val="65000"/>
-                        <a:lumOff val="35000"/>
-                      </a:schemeClr>
-                    </a:solidFill>
-                  </a:rPr>
-                  <a:t> dolor, at </a:t>
-                </a:r>
-                <a:r>
-                  <a:rPr lang="en-US" sz="700" dirty="0" err="1">
-                    <a:solidFill>
-                      <a:schemeClr val="tx1">
-                        <a:lumMod val="65000"/>
-                        <a:lumOff val="35000"/>
-                      </a:schemeClr>
-                    </a:solidFill>
-                  </a:rPr>
-                  <a:t>amet</a:t>
-                </a:r>
-                <a:r>
-                  <a:rPr lang="en-US" sz="700" dirty="0">
-                    <a:solidFill>
-                      <a:schemeClr val="tx1">
-                        <a:lumMod val="65000"/>
-                        <a:lumOff val="35000"/>
-                      </a:schemeClr>
-                    </a:solidFill>
-                  </a:rPr>
-                  <a:t>. </a:t>
-                </a:r>
+                <a:endParaRPr lang="en-US" sz="700" dirty="0">
+                  <a:solidFill>
+                    <a:schemeClr val="tx1">
+                      <a:lumMod val="65000"/>
+                      <a:lumOff val="35000"/>
+                    </a:schemeClr>
+                  </a:solidFill>
+                </a:endParaRPr>
               </a:p>
             </p:txBody>
           </p:sp>
@@ -5607,7 +5178,7 @@
             <p:cNvPr id="31" name="Group 30">
               <a:extLst>
                 <a:ext uri="{FF2B5EF4-FFF2-40B4-BE49-F238E27FC236}">
-                  <a16:creationId xmlns:a16="http://schemas.microsoft.com/office/drawing/2014/main" xmlns="" id="{0CD28676-5DA9-46AF-8CB2-B8B362F8317F}"/>
+                  <a16:creationId xmlns="" xmlns:a16="http://schemas.microsoft.com/office/drawing/2014/main" id="{0CD28676-5DA9-46AF-8CB2-B8B362F8317F}"/>
                 </a:ext>
               </a:extLst>
             </p:cNvPr>
@@ -5617,9 +5188,9 @@
           <p:grpSpPr>
             <a:xfrm>
               <a:off x="254813" y="2966531"/>
-              <a:ext cx="1920641" cy="1300632"/>
+              <a:ext cx="1920641" cy="1052585"/>
               <a:chOff x="254813" y="3025361"/>
-              <a:chExt cx="1920641" cy="1300632"/>
+              <a:chExt cx="1920641" cy="1052585"/>
             </a:xfrm>
           </p:grpSpPr>
           <p:sp>
@@ -5627,7 +5198,7 @@
               <p:cNvPr id="32" name="TextBox 31">
                 <a:extLst>
                   <a:ext uri="{FF2B5EF4-FFF2-40B4-BE49-F238E27FC236}">
-                    <a16:creationId xmlns:a16="http://schemas.microsoft.com/office/drawing/2014/main" xmlns="" id="{20DC1930-D6D9-43C1-8095-47B6730AEDF9}"/>
+                    <a16:creationId xmlns="" xmlns:a16="http://schemas.microsoft.com/office/drawing/2014/main" id="{20DC1930-D6D9-43C1-8095-47B6730AEDF9}"/>
                   </a:ext>
                 </a:extLst>
               </p:cNvPr>
@@ -5676,7 +5247,7 @@
               <p:cNvPr id="33" name="TextBox 32">
                 <a:extLst>
                   <a:ext uri="{FF2B5EF4-FFF2-40B4-BE49-F238E27FC236}">
-                    <a16:creationId xmlns:a16="http://schemas.microsoft.com/office/drawing/2014/main" xmlns="" id="{4F157F8F-5256-4DB2-B69F-9C1A3F94EC62}"/>
+                    <a16:creationId xmlns="" xmlns:a16="http://schemas.microsoft.com/office/drawing/2014/main" id="{4F157F8F-5256-4DB2-B69F-9C1A3F94EC62}"/>
                   </a:ext>
                 </a:extLst>
               </p:cNvPr>
@@ -5686,7 +5257,7 @@
             <p:spPr>
               <a:xfrm>
                 <a:off x="254813" y="3401456"/>
-                <a:ext cx="1920641" cy="924537"/>
+                <a:ext cx="1920641" cy="676490"/>
               </a:xfrm>
               <a:prstGeom prst="rect">
                 <a:avLst/>
@@ -5701,445 +5272,17 @@
               <a:p>
                 <a:pPr algn="just"/>
                 <a:r>
-                  <a:rPr lang="en-US" sz="700" dirty="0" err="1">
-                    <a:solidFill>
-                      <a:schemeClr val="tx1">
-                        <a:lumMod val="65000"/>
-                        <a:lumOff val="35000"/>
-                      </a:schemeClr>
-                    </a:solidFill>
-                  </a:rPr>
-                  <a:t>Lorem</a:t>
+                  <a:rPr lang="en-IN" sz="800" dirty="0" smtClean="0"/>
+                  <a:t>Create automated tests to monitor APIs for uptime, responsiveness, and correctness</a:t>
                 </a:r>
-                <a:r>
-                  <a:rPr lang="en-US" sz="700" dirty="0">
-                    <a:solidFill>
-                      <a:schemeClr val="tx1">
-                        <a:lumMod val="65000"/>
-                        <a:lumOff val="35000"/>
-                      </a:schemeClr>
-                    </a:solidFill>
-                  </a:rPr>
-                  <a:t> </a:t>
-                </a:r>
-                <a:r>
-                  <a:rPr lang="en-US" sz="700" dirty="0" err="1">
-                    <a:solidFill>
-                      <a:schemeClr val="tx1">
-                        <a:lumMod val="65000"/>
-                        <a:lumOff val="35000"/>
-                      </a:schemeClr>
-                    </a:solidFill>
-                  </a:rPr>
-                  <a:t>ipsum</a:t>
-                </a:r>
-                <a:r>
-                  <a:rPr lang="en-US" sz="700" dirty="0">
-                    <a:solidFill>
-                      <a:schemeClr val="tx1">
-                        <a:lumMod val="65000"/>
-                        <a:lumOff val="35000"/>
-                      </a:schemeClr>
-                    </a:solidFill>
-                  </a:rPr>
-                  <a:t> dolor sit </a:t>
-                </a:r>
-                <a:r>
-                  <a:rPr lang="en-US" sz="700" dirty="0" err="1">
-                    <a:solidFill>
-                      <a:schemeClr val="tx1">
-                        <a:lumMod val="65000"/>
-                        <a:lumOff val="35000"/>
-                      </a:schemeClr>
-                    </a:solidFill>
-                  </a:rPr>
-                  <a:t>amet</a:t>
-                </a:r>
-                <a:r>
-                  <a:rPr lang="en-US" sz="700" dirty="0">
-                    <a:solidFill>
-                      <a:schemeClr val="tx1">
-                        <a:lumMod val="65000"/>
-                        <a:lumOff val="35000"/>
-                      </a:schemeClr>
-                    </a:solidFill>
-                  </a:rPr>
-                  <a:t>, </a:t>
-                </a:r>
-                <a:r>
-                  <a:rPr lang="en-US" sz="700" dirty="0" err="1">
-                    <a:solidFill>
-                      <a:schemeClr val="tx1">
-                        <a:lumMod val="65000"/>
-                        <a:lumOff val="35000"/>
-                      </a:schemeClr>
-                    </a:solidFill>
-                  </a:rPr>
-                  <a:t>nibh</a:t>
-                </a:r>
-                <a:r>
-                  <a:rPr lang="en-US" sz="700" dirty="0">
-                    <a:solidFill>
-                      <a:schemeClr val="tx1">
-                        <a:lumMod val="65000"/>
-                        <a:lumOff val="35000"/>
-                      </a:schemeClr>
-                    </a:solidFill>
-                  </a:rPr>
-                  <a:t> est. A magna </a:t>
-                </a:r>
-                <a:r>
-                  <a:rPr lang="en-US" sz="700" dirty="0" err="1">
-                    <a:solidFill>
-                      <a:schemeClr val="tx1">
-                        <a:lumMod val="65000"/>
-                        <a:lumOff val="35000"/>
-                      </a:schemeClr>
-                    </a:solidFill>
-                  </a:rPr>
-                  <a:t>maecenas</a:t>
-                </a:r>
-                <a:r>
-                  <a:rPr lang="en-US" sz="700" dirty="0">
-                    <a:solidFill>
-                      <a:schemeClr val="tx1">
-                        <a:lumMod val="65000"/>
-                        <a:lumOff val="35000"/>
-                      </a:schemeClr>
-                    </a:solidFill>
-                  </a:rPr>
-                  <a:t>, quam magna </a:t>
-                </a:r>
-                <a:r>
-                  <a:rPr lang="en-US" sz="700" dirty="0" err="1">
-                    <a:solidFill>
-                      <a:schemeClr val="tx1">
-                        <a:lumMod val="65000"/>
-                        <a:lumOff val="35000"/>
-                      </a:schemeClr>
-                    </a:solidFill>
-                  </a:rPr>
-                  <a:t>nec</a:t>
-                </a:r>
-                <a:r>
-                  <a:rPr lang="en-US" sz="700" dirty="0">
-                    <a:solidFill>
-                      <a:schemeClr val="tx1">
-                        <a:lumMod val="65000"/>
-                        <a:lumOff val="35000"/>
-                      </a:schemeClr>
-                    </a:solidFill>
-                  </a:rPr>
-                  <a:t> </a:t>
-                </a:r>
-                <a:r>
-                  <a:rPr lang="en-US" sz="700" dirty="0" err="1">
-                    <a:solidFill>
-                      <a:schemeClr val="tx1">
-                        <a:lumMod val="65000"/>
-                        <a:lumOff val="35000"/>
-                      </a:schemeClr>
-                    </a:solidFill>
-                  </a:rPr>
-                  <a:t>quis</a:t>
-                </a:r>
-                <a:r>
-                  <a:rPr lang="en-US" sz="700" dirty="0">
-                    <a:solidFill>
-                      <a:schemeClr val="tx1">
-                        <a:lumMod val="65000"/>
-                        <a:lumOff val="35000"/>
-                      </a:schemeClr>
-                    </a:solidFill>
-                  </a:rPr>
-                  <a:t>, </a:t>
-                </a:r>
-                <a:r>
-                  <a:rPr lang="en-US" sz="700" dirty="0" err="1">
-                    <a:solidFill>
-                      <a:schemeClr val="tx1">
-                        <a:lumMod val="65000"/>
-                        <a:lumOff val="35000"/>
-                      </a:schemeClr>
-                    </a:solidFill>
-                  </a:rPr>
-                  <a:t>lorem</a:t>
-                </a:r>
-                <a:r>
-                  <a:rPr lang="en-US" sz="700" dirty="0">
-                    <a:solidFill>
-                      <a:schemeClr val="tx1">
-                        <a:lumMod val="65000"/>
-                        <a:lumOff val="35000"/>
-                      </a:schemeClr>
-                    </a:solidFill>
-                  </a:rPr>
-                  <a:t> </a:t>
-                </a:r>
-                <a:r>
-                  <a:rPr lang="en-US" sz="700" dirty="0" err="1">
-                    <a:solidFill>
-                      <a:schemeClr val="tx1">
-                        <a:lumMod val="65000"/>
-                        <a:lumOff val="35000"/>
-                      </a:schemeClr>
-                    </a:solidFill>
-                  </a:rPr>
-                  <a:t>nunc</a:t>
-                </a:r>
-                <a:r>
-                  <a:rPr lang="en-US" sz="700" dirty="0">
-                    <a:solidFill>
-                      <a:schemeClr val="tx1">
-                        <a:lumMod val="65000"/>
-                        <a:lumOff val="35000"/>
-                      </a:schemeClr>
-                    </a:solidFill>
-                  </a:rPr>
-                  <a:t>. </a:t>
-                </a:r>
-                <a:r>
-                  <a:rPr lang="en-US" sz="700" dirty="0" err="1">
-                    <a:solidFill>
-                      <a:schemeClr val="tx1">
-                        <a:lumMod val="65000"/>
-                        <a:lumOff val="35000"/>
-                      </a:schemeClr>
-                    </a:solidFill>
-                  </a:rPr>
-                  <a:t>Suspendisse</a:t>
-                </a:r>
-                <a:r>
-                  <a:rPr lang="en-US" sz="700" dirty="0">
-                    <a:solidFill>
-                      <a:schemeClr val="tx1">
-                        <a:lumMod val="65000"/>
-                        <a:lumOff val="35000"/>
-                      </a:schemeClr>
-                    </a:solidFill>
-                  </a:rPr>
-                  <a:t> </a:t>
-                </a:r>
-                <a:r>
-                  <a:rPr lang="en-US" sz="700" dirty="0" err="1">
-                    <a:solidFill>
-                      <a:schemeClr val="tx1">
-                        <a:lumMod val="65000"/>
-                        <a:lumOff val="35000"/>
-                      </a:schemeClr>
-                    </a:solidFill>
-                  </a:rPr>
-                  <a:t>viverra</a:t>
-                </a:r>
-                <a:r>
-                  <a:rPr lang="en-US" sz="700" dirty="0">
-                    <a:solidFill>
-                      <a:schemeClr val="tx1">
-                        <a:lumMod val="65000"/>
-                        <a:lumOff val="35000"/>
-                      </a:schemeClr>
-                    </a:solidFill>
-                  </a:rPr>
-                  <a:t> </a:t>
-                </a:r>
-                <a:r>
-                  <a:rPr lang="en-US" sz="700" dirty="0" err="1">
-                    <a:solidFill>
-                      <a:schemeClr val="tx1">
-                        <a:lumMod val="65000"/>
-                        <a:lumOff val="35000"/>
-                      </a:schemeClr>
-                    </a:solidFill>
-                  </a:rPr>
-                  <a:t>sodales</a:t>
-                </a:r>
-                <a:r>
-                  <a:rPr lang="en-US" sz="700" dirty="0">
-                    <a:solidFill>
-                      <a:schemeClr val="tx1">
-                        <a:lumMod val="65000"/>
-                        <a:lumOff val="35000"/>
-                      </a:schemeClr>
-                    </a:solidFill>
-                  </a:rPr>
-                  <a:t> </a:t>
-                </a:r>
-                <a:r>
-                  <a:rPr lang="en-US" sz="700" dirty="0" err="1">
-                    <a:solidFill>
-                      <a:schemeClr val="tx1">
-                        <a:lumMod val="65000"/>
-                        <a:lumOff val="35000"/>
-                      </a:schemeClr>
-                    </a:solidFill>
-                  </a:rPr>
-                  <a:t>mauris</a:t>
-                </a:r>
-                <a:r>
-                  <a:rPr lang="en-US" sz="700" dirty="0">
-                    <a:solidFill>
-                      <a:schemeClr val="tx1">
-                        <a:lumMod val="65000"/>
-                        <a:lumOff val="35000"/>
-                      </a:schemeClr>
-                    </a:solidFill>
-                  </a:rPr>
-                  <a:t>, </a:t>
-                </a:r>
-                <a:r>
-                  <a:rPr lang="en-US" sz="700" dirty="0" err="1">
-                    <a:solidFill>
-                      <a:schemeClr val="tx1">
-                        <a:lumMod val="65000"/>
-                        <a:lumOff val="35000"/>
-                      </a:schemeClr>
-                    </a:solidFill>
-                  </a:rPr>
-                  <a:t>cras</a:t>
-                </a:r>
-                <a:r>
-                  <a:rPr lang="en-US" sz="700" dirty="0">
-                    <a:solidFill>
-                      <a:schemeClr val="tx1">
-                        <a:lumMod val="65000"/>
-                        <a:lumOff val="35000"/>
-                      </a:schemeClr>
-                    </a:solidFill>
-                  </a:rPr>
-                  <a:t> </a:t>
-                </a:r>
-                <a:r>
-                  <a:rPr lang="en-US" sz="700" dirty="0" err="1">
-                    <a:solidFill>
-                      <a:schemeClr val="tx1">
-                        <a:lumMod val="65000"/>
-                        <a:lumOff val="35000"/>
-                      </a:schemeClr>
-                    </a:solidFill>
-                  </a:rPr>
-                  <a:t>pharetra</a:t>
-                </a:r>
-                <a:r>
-                  <a:rPr lang="en-US" sz="700" dirty="0">
-                    <a:solidFill>
-                      <a:schemeClr val="tx1">
-                        <a:lumMod val="65000"/>
-                        <a:lumOff val="35000"/>
-                      </a:schemeClr>
-                    </a:solidFill>
-                  </a:rPr>
-                  <a:t> </a:t>
-                </a:r>
-                <a:r>
-                  <a:rPr lang="en-US" sz="700" dirty="0" err="1">
-                    <a:solidFill>
-                      <a:schemeClr val="tx1">
-                        <a:lumMod val="65000"/>
-                        <a:lumOff val="35000"/>
-                      </a:schemeClr>
-                    </a:solidFill>
-                  </a:rPr>
-                  <a:t>proin</a:t>
-                </a:r>
-                <a:r>
-                  <a:rPr lang="en-US" sz="700" dirty="0">
-                    <a:solidFill>
-                      <a:schemeClr val="tx1">
-                        <a:lumMod val="65000"/>
-                        <a:lumOff val="35000"/>
-                      </a:schemeClr>
-                    </a:solidFill>
-                  </a:rPr>
-                  <a:t> </a:t>
-                </a:r>
-                <a:r>
-                  <a:rPr lang="en-US" sz="700" dirty="0" err="1">
-                    <a:solidFill>
-                      <a:schemeClr val="tx1">
-                        <a:lumMod val="65000"/>
-                        <a:lumOff val="35000"/>
-                      </a:schemeClr>
-                    </a:solidFill>
-                  </a:rPr>
-                  <a:t>egestas</a:t>
-                </a:r>
-                <a:r>
-                  <a:rPr lang="en-US" sz="700" dirty="0">
-                    <a:solidFill>
-                      <a:schemeClr val="tx1">
-                        <a:lumMod val="65000"/>
-                        <a:lumOff val="35000"/>
-                      </a:schemeClr>
-                    </a:solidFill>
-                  </a:rPr>
-                  <a:t> </a:t>
-                </a:r>
-                <a:r>
-                  <a:rPr lang="en-US" sz="700" dirty="0" err="1">
-                    <a:solidFill>
-                      <a:schemeClr val="tx1">
-                        <a:lumMod val="65000"/>
-                        <a:lumOff val="35000"/>
-                      </a:schemeClr>
-                    </a:solidFill>
-                  </a:rPr>
-                  <a:t>arcu</a:t>
-                </a:r>
-                <a:r>
-                  <a:rPr lang="en-US" sz="700" dirty="0">
-                    <a:solidFill>
-                      <a:schemeClr val="tx1">
-                        <a:lumMod val="65000"/>
-                        <a:lumOff val="35000"/>
-                      </a:schemeClr>
-                    </a:solidFill>
-                  </a:rPr>
-                  <a:t> </a:t>
-                </a:r>
-                <a:r>
-                  <a:rPr lang="en-US" sz="700" dirty="0" err="1">
-                    <a:solidFill>
-                      <a:schemeClr val="tx1">
-                        <a:lumMod val="65000"/>
-                        <a:lumOff val="35000"/>
-                      </a:schemeClr>
-                    </a:solidFill>
-                  </a:rPr>
-                  <a:t>erat</a:t>
-                </a:r>
-                <a:r>
-                  <a:rPr lang="en-US" sz="700" dirty="0">
-                    <a:solidFill>
-                      <a:schemeClr val="tx1">
-                        <a:lumMod val="65000"/>
-                        <a:lumOff val="35000"/>
-                      </a:schemeClr>
-                    </a:solidFill>
-                  </a:rPr>
-                  <a:t> dolor, at </a:t>
-                </a:r>
-                <a:r>
-                  <a:rPr lang="en-US" sz="700" dirty="0" err="1">
-                    <a:solidFill>
-                      <a:schemeClr val="tx1">
-                        <a:lumMod val="65000"/>
-                        <a:lumOff val="35000"/>
-                      </a:schemeClr>
-                    </a:solidFill>
-                  </a:rPr>
-                  <a:t>amet</a:t>
-                </a:r>
-                <a:r>
-                  <a:rPr lang="en-US" sz="700" dirty="0">
-                    <a:solidFill>
-                      <a:schemeClr val="tx1">
-                        <a:lumMod val="65000"/>
-                        <a:lumOff val="35000"/>
-                      </a:schemeClr>
-                    </a:solidFill>
-                  </a:rPr>
-                  <a:t>. </a:t>
-                </a:r>
+                <a:endParaRPr lang="en-US" sz="700" dirty="0">
+                  <a:solidFill>
+                    <a:schemeClr val="tx1">
+                      <a:lumMod val="65000"/>
+                      <a:lumOff val="35000"/>
+                    </a:schemeClr>
+                  </a:solidFill>
+                </a:endParaRPr>
               </a:p>
             </p:txBody>
           </p:sp>
@@ -6149,7 +5292,7 @@
             <p:cNvPr id="34" name="Group 33">
               <a:extLst>
                 <a:ext uri="{FF2B5EF4-FFF2-40B4-BE49-F238E27FC236}">
-                  <a16:creationId xmlns:a16="http://schemas.microsoft.com/office/drawing/2014/main" xmlns="" id="{DB714EEA-ACCB-474E-8582-1E60C4B4EE80}"/>
+                  <a16:creationId xmlns="" xmlns:a16="http://schemas.microsoft.com/office/drawing/2014/main" id="{DB714EEA-ACCB-474E-8582-1E60C4B4EE80}"/>
                 </a:ext>
               </a:extLst>
             </p:cNvPr>
@@ -6159,9 +5302,9 @@
           <p:grpSpPr>
             <a:xfrm>
               <a:off x="249702" y="4621698"/>
-              <a:ext cx="2202816" cy="1142781"/>
+              <a:ext cx="2202816" cy="872184"/>
               <a:chOff x="249702" y="4757378"/>
-              <a:chExt cx="2202816" cy="1142781"/>
+              <a:chExt cx="2202816" cy="872184"/>
             </a:xfrm>
           </p:grpSpPr>
           <p:sp>
@@ -6169,7 +5312,7 @@
               <p:cNvPr id="35" name="TextBox 34">
                 <a:extLst>
                   <a:ext uri="{FF2B5EF4-FFF2-40B4-BE49-F238E27FC236}">
-                    <a16:creationId xmlns:a16="http://schemas.microsoft.com/office/drawing/2014/main" xmlns="" id="{6578DAE7-23D1-4A02-B064-25140DAE3525}"/>
+                    <a16:creationId xmlns="" xmlns:a16="http://schemas.microsoft.com/office/drawing/2014/main" id="{6578DAE7-23D1-4A02-B064-25140DAE3525}"/>
                   </a:ext>
                 </a:extLst>
               </p:cNvPr>
@@ -6218,7 +5361,7 @@
               <p:cNvPr id="36" name="TextBox 35">
                 <a:extLst>
                   <a:ext uri="{FF2B5EF4-FFF2-40B4-BE49-F238E27FC236}">
-                    <a16:creationId xmlns:a16="http://schemas.microsoft.com/office/drawing/2014/main" xmlns="" id="{9473AF10-3E71-496E-AC9E-9FE850A3EAE4}"/>
+                    <a16:creationId xmlns="" xmlns:a16="http://schemas.microsoft.com/office/drawing/2014/main" id="{9473AF10-3E71-496E-AC9E-9FE850A3EAE4}"/>
                   </a:ext>
                 </a:extLst>
               </p:cNvPr>
@@ -6228,7 +5371,7 @@
             <p:spPr>
               <a:xfrm>
                 <a:off x="255548" y="5133470"/>
-                <a:ext cx="2196970" cy="766689"/>
+                <a:ext cx="2196970" cy="496092"/>
               </a:xfrm>
               <a:prstGeom prst="rect">
                 <a:avLst/>
@@ -6243,15 +5386,8 @@
               <a:p>
                 <a:pPr algn="just"/>
                 <a:r>
-                  <a:rPr lang="en-US" sz="700">
-                    <a:solidFill>
-                      <a:schemeClr val="tx1">
-                        <a:lumMod val="65000"/>
-                        <a:lumOff val="35000"/>
-                      </a:schemeClr>
-                    </a:solidFill>
-                  </a:rPr>
-                  <a:t>Lorem ipsum dolor sit amet, nibh est. A magna maecenas, quam magna nec quis, lorem nunc. Suspendisse viverra sodales mauris, cras pharetra proin egestas arcu erat dolor, at amet. </a:t>
+                  <a:rPr lang="en-US" sz="800" dirty="0" smtClean="0"/>
+                  <a:t>Create beautiful web-viewable documentation</a:t>
                 </a:r>
                 <a:endParaRPr lang="en-US" sz="700" dirty="0">
                   <a:solidFill>
@@ -6270,7 +5406,7 @@
             <p:cNvPr id="37" name="Group 36">
               <a:extLst>
                 <a:ext uri="{FF2B5EF4-FFF2-40B4-BE49-F238E27FC236}">
-                  <a16:creationId xmlns:a16="http://schemas.microsoft.com/office/drawing/2014/main" xmlns="" id="{EDBC31AB-EAC4-41FC-8730-733201B0DD54}"/>
+                  <a16:creationId xmlns="" xmlns:a16="http://schemas.microsoft.com/office/drawing/2014/main" id="{EDBC31AB-EAC4-41FC-8730-733201B0DD54}"/>
                 </a:ext>
               </a:extLst>
             </p:cNvPr>
@@ -6280,9 +5416,9 @@
           <p:grpSpPr>
             <a:xfrm>
               <a:off x="6400800" y="1465257"/>
-              <a:ext cx="2202817" cy="1142783"/>
+              <a:ext cx="2202817" cy="872187"/>
               <a:chOff x="6697329" y="1266169"/>
-              <a:chExt cx="2202817" cy="1142783"/>
+              <a:chExt cx="2202817" cy="872187"/>
             </a:xfrm>
           </p:grpSpPr>
           <p:sp>
@@ -6290,7 +5426,7 @@
               <p:cNvPr id="38" name="TextBox 37">
                 <a:extLst>
                   <a:ext uri="{FF2B5EF4-FFF2-40B4-BE49-F238E27FC236}">
-                    <a16:creationId xmlns:a16="http://schemas.microsoft.com/office/drawing/2014/main" xmlns="" id="{9C76D343-9166-49CB-8766-05A6864053F0}"/>
+                    <a16:creationId xmlns="" xmlns:a16="http://schemas.microsoft.com/office/drawing/2014/main" id="{9C76D343-9166-49CB-8766-05A6864053F0}"/>
                   </a:ext>
                 </a:extLst>
               </p:cNvPr>
@@ -6340,7 +5476,7 @@
               <p:cNvPr id="39" name="TextBox 38">
                 <a:extLst>
                   <a:ext uri="{FF2B5EF4-FFF2-40B4-BE49-F238E27FC236}">
-                    <a16:creationId xmlns:a16="http://schemas.microsoft.com/office/drawing/2014/main" xmlns="" id="{EC9173EC-D5AD-4A39-9CC1-A92BAC50F6A6}"/>
+                    <a16:creationId xmlns="" xmlns:a16="http://schemas.microsoft.com/office/drawing/2014/main" id="{EC9173EC-D5AD-4A39-9CC1-A92BAC50F6A6}"/>
                   </a:ext>
                 </a:extLst>
               </p:cNvPr>
@@ -6350,7 +5486,7 @@
             <p:spPr>
               <a:xfrm>
                 <a:off x="6703177" y="1642263"/>
-                <a:ext cx="2196969" cy="766689"/>
+                <a:ext cx="2196969" cy="496093"/>
               </a:xfrm>
               <a:prstGeom prst="rect">
                 <a:avLst/>
@@ -6365,445 +5501,17 @@
               <a:p>
                 <a:pPr algn="just"/>
                 <a:r>
-                  <a:rPr lang="en-US" sz="700" dirty="0" err="1">
-                    <a:solidFill>
-                      <a:schemeClr val="tx1">
-                        <a:lumMod val="65000"/>
-                        <a:lumOff val="35000"/>
-                      </a:schemeClr>
-                    </a:solidFill>
-                  </a:rPr>
-                  <a:t>Lorem</a:t>
+                  <a:rPr lang="en-IN" sz="800" dirty="0" smtClean="0"/>
+                  <a:t>Design in Postman &amp; use Postman’s mock service</a:t>
                 </a:r>
-                <a:r>
-                  <a:rPr lang="en-US" sz="700" dirty="0">
-                    <a:solidFill>
-                      <a:schemeClr val="tx1">
-                        <a:lumMod val="65000"/>
-                        <a:lumOff val="35000"/>
-                      </a:schemeClr>
-                    </a:solidFill>
-                  </a:rPr>
-                  <a:t> </a:t>
-                </a:r>
-                <a:r>
-                  <a:rPr lang="en-US" sz="700" dirty="0" err="1">
-                    <a:solidFill>
-                      <a:schemeClr val="tx1">
-                        <a:lumMod val="65000"/>
-                        <a:lumOff val="35000"/>
-                      </a:schemeClr>
-                    </a:solidFill>
-                  </a:rPr>
-                  <a:t>ipsum</a:t>
-                </a:r>
-                <a:r>
-                  <a:rPr lang="en-US" sz="700" dirty="0">
-                    <a:solidFill>
-                      <a:schemeClr val="tx1">
-                        <a:lumMod val="65000"/>
-                        <a:lumOff val="35000"/>
-                      </a:schemeClr>
-                    </a:solidFill>
-                  </a:rPr>
-                  <a:t> dolor sit </a:t>
-                </a:r>
-                <a:r>
-                  <a:rPr lang="en-US" sz="700" dirty="0" err="1">
-                    <a:solidFill>
-                      <a:schemeClr val="tx1">
-                        <a:lumMod val="65000"/>
-                        <a:lumOff val="35000"/>
-                      </a:schemeClr>
-                    </a:solidFill>
-                  </a:rPr>
-                  <a:t>amet</a:t>
-                </a:r>
-                <a:r>
-                  <a:rPr lang="en-US" sz="700" dirty="0">
-                    <a:solidFill>
-                      <a:schemeClr val="tx1">
-                        <a:lumMod val="65000"/>
-                        <a:lumOff val="35000"/>
-                      </a:schemeClr>
-                    </a:solidFill>
-                  </a:rPr>
-                  <a:t>, </a:t>
-                </a:r>
-                <a:r>
-                  <a:rPr lang="en-US" sz="700" dirty="0" err="1">
-                    <a:solidFill>
-                      <a:schemeClr val="tx1">
-                        <a:lumMod val="65000"/>
-                        <a:lumOff val="35000"/>
-                      </a:schemeClr>
-                    </a:solidFill>
-                  </a:rPr>
-                  <a:t>nibh</a:t>
-                </a:r>
-                <a:r>
-                  <a:rPr lang="en-US" sz="700" dirty="0">
-                    <a:solidFill>
-                      <a:schemeClr val="tx1">
-                        <a:lumMod val="65000"/>
-                        <a:lumOff val="35000"/>
-                      </a:schemeClr>
-                    </a:solidFill>
-                  </a:rPr>
-                  <a:t> est. A magna </a:t>
-                </a:r>
-                <a:r>
-                  <a:rPr lang="en-US" sz="700" dirty="0" err="1">
-                    <a:solidFill>
-                      <a:schemeClr val="tx1">
-                        <a:lumMod val="65000"/>
-                        <a:lumOff val="35000"/>
-                      </a:schemeClr>
-                    </a:solidFill>
-                  </a:rPr>
-                  <a:t>maecenas</a:t>
-                </a:r>
-                <a:r>
-                  <a:rPr lang="en-US" sz="700" dirty="0">
-                    <a:solidFill>
-                      <a:schemeClr val="tx1">
-                        <a:lumMod val="65000"/>
-                        <a:lumOff val="35000"/>
-                      </a:schemeClr>
-                    </a:solidFill>
-                  </a:rPr>
-                  <a:t>, quam magna </a:t>
-                </a:r>
-                <a:r>
-                  <a:rPr lang="en-US" sz="700" dirty="0" err="1">
-                    <a:solidFill>
-                      <a:schemeClr val="tx1">
-                        <a:lumMod val="65000"/>
-                        <a:lumOff val="35000"/>
-                      </a:schemeClr>
-                    </a:solidFill>
-                  </a:rPr>
-                  <a:t>nec</a:t>
-                </a:r>
-                <a:r>
-                  <a:rPr lang="en-US" sz="700" dirty="0">
-                    <a:solidFill>
-                      <a:schemeClr val="tx1">
-                        <a:lumMod val="65000"/>
-                        <a:lumOff val="35000"/>
-                      </a:schemeClr>
-                    </a:solidFill>
-                  </a:rPr>
-                  <a:t> </a:t>
-                </a:r>
-                <a:r>
-                  <a:rPr lang="en-US" sz="700" dirty="0" err="1">
-                    <a:solidFill>
-                      <a:schemeClr val="tx1">
-                        <a:lumMod val="65000"/>
-                        <a:lumOff val="35000"/>
-                      </a:schemeClr>
-                    </a:solidFill>
-                  </a:rPr>
-                  <a:t>quis</a:t>
-                </a:r>
-                <a:r>
-                  <a:rPr lang="en-US" sz="700" dirty="0">
-                    <a:solidFill>
-                      <a:schemeClr val="tx1">
-                        <a:lumMod val="65000"/>
-                        <a:lumOff val="35000"/>
-                      </a:schemeClr>
-                    </a:solidFill>
-                  </a:rPr>
-                  <a:t>, </a:t>
-                </a:r>
-                <a:r>
-                  <a:rPr lang="en-US" sz="700" dirty="0" err="1">
-                    <a:solidFill>
-                      <a:schemeClr val="tx1">
-                        <a:lumMod val="65000"/>
-                        <a:lumOff val="35000"/>
-                      </a:schemeClr>
-                    </a:solidFill>
-                  </a:rPr>
-                  <a:t>lorem</a:t>
-                </a:r>
-                <a:r>
-                  <a:rPr lang="en-US" sz="700" dirty="0">
-                    <a:solidFill>
-                      <a:schemeClr val="tx1">
-                        <a:lumMod val="65000"/>
-                        <a:lumOff val="35000"/>
-                      </a:schemeClr>
-                    </a:solidFill>
-                  </a:rPr>
-                  <a:t> </a:t>
-                </a:r>
-                <a:r>
-                  <a:rPr lang="en-US" sz="700" dirty="0" err="1">
-                    <a:solidFill>
-                      <a:schemeClr val="tx1">
-                        <a:lumMod val="65000"/>
-                        <a:lumOff val="35000"/>
-                      </a:schemeClr>
-                    </a:solidFill>
-                  </a:rPr>
-                  <a:t>nunc</a:t>
-                </a:r>
-                <a:r>
-                  <a:rPr lang="en-US" sz="700" dirty="0">
-                    <a:solidFill>
-                      <a:schemeClr val="tx1">
-                        <a:lumMod val="65000"/>
-                        <a:lumOff val="35000"/>
-                      </a:schemeClr>
-                    </a:solidFill>
-                  </a:rPr>
-                  <a:t>. </a:t>
-                </a:r>
-                <a:r>
-                  <a:rPr lang="en-US" sz="700" dirty="0" err="1">
-                    <a:solidFill>
-                      <a:schemeClr val="tx1">
-                        <a:lumMod val="65000"/>
-                        <a:lumOff val="35000"/>
-                      </a:schemeClr>
-                    </a:solidFill>
-                  </a:rPr>
-                  <a:t>Suspendisse</a:t>
-                </a:r>
-                <a:r>
-                  <a:rPr lang="en-US" sz="700" dirty="0">
-                    <a:solidFill>
-                      <a:schemeClr val="tx1">
-                        <a:lumMod val="65000"/>
-                        <a:lumOff val="35000"/>
-                      </a:schemeClr>
-                    </a:solidFill>
-                  </a:rPr>
-                  <a:t> </a:t>
-                </a:r>
-                <a:r>
-                  <a:rPr lang="en-US" sz="700" dirty="0" err="1">
-                    <a:solidFill>
-                      <a:schemeClr val="tx1">
-                        <a:lumMod val="65000"/>
-                        <a:lumOff val="35000"/>
-                      </a:schemeClr>
-                    </a:solidFill>
-                  </a:rPr>
-                  <a:t>viverra</a:t>
-                </a:r>
-                <a:r>
-                  <a:rPr lang="en-US" sz="700" dirty="0">
-                    <a:solidFill>
-                      <a:schemeClr val="tx1">
-                        <a:lumMod val="65000"/>
-                        <a:lumOff val="35000"/>
-                      </a:schemeClr>
-                    </a:solidFill>
-                  </a:rPr>
-                  <a:t> </a:t>
-                </a:r>
-                <a:r>
-                  <a:rPr lang="en-US" sz="700" dirty="0" err="1">
-                    <a:solidFill>
-                      <a:schemeClr val="tx1">
-                        <a:lumMod val="65000"/>
-                        <a:lumOff val="35000"/>
-                      </a:schemeClr>
-                    </a:solidFill>
-                  </a:rPr>
-                  <a:t>sodales</a:t>
-                </a:r>
-                <a:r>
-                  <a:rPr lang="en-US" sz="700" dirty="0">
-                    <a:solidFill>
-                      <a:schemeClr val="tx1">
-                        <a:lumMod val="65000"/>
-                        <a:lumOff val="35000"/>
-                      </a:schemeClr>
-                    </a:solidFill>
-                  </a:rPr>
-                  <a:t> </a:t>
-                </a:r>
-                <a:r>
-                  <a:rPr lang="en-US" sz="700" dirty="0" err="1">
-                    <a:solidFill>
-                      <a:schemeClr val="tx1">
-                        <a:lumMod val="65000"/>
-                        <a:lumOff val="35000"/>
-                      </a:schemeClr>
-                    </a:solidFill>
-                  </a:rPr>
-                  <a:t>mauris</a:t>
-                </a:r>
-                <a:r>
-                  <a:rPr lang="en-US" sz="700" dirty="0">
-                    <a:solidFill>
-                      <a:schemeClr val="tx1">
-                        <a:lumMod val="65000"/>
-                        <a:lumOff val="35000"/>
-                      </a:schemeClr>
-                    </a:solidFill>
-                  </a:rPr>
-                  <a:t>, </a:t>
-                </a:r>
-                <a:r>
-                  <a:rPr lang="en-US" sz="700" dirty="0" err="1">
-                    <a:solidFill>
-                      <a:schemeClr val="tx1">
-                        <a:lumMod val="65000"/>
-                        <a:lumOff val="35000"/>
-                      </a:schemeClr>
-                    </a:solidFill>
-                  </a:rPr>
-                  <a:t>cras</a:t>
-                </a:r>
-                <a:r>
-                  <a:rPr lang="en-US" sz="700" dirty="0">
-                    <a:solidFill>
-                      <a:schemeClr val="tx1">
-                        <a:lumMod val="65000"/>
-                        <a:lumOff val="35000"/>
-                      </a:schemeClr>
-                    </a:solidFill>
-                  </a:rPr>
-                  <a:t> </a:t>
-                </a:r>
-                <a:r>
-                  <a:rPr lang="en-US" sz="700" dirty="0" err="1">
-                    <a:solidFill>
-                      <a:schemeClr val="tx1">
-                        <a:lumMod val="65000"/>
-                        <a:lumOff val="35000"/>
-                      </a:schemeClr>
-                    </a:solidFill>
-                  </a:rPr>
-                  <a:t>pharetra</a:t>
-                </a:r>
-                <a:r>
-                  <a:rPr lang="en-US" sz="700" dirty="0">
-                    <a:solidFill>
-                      <a:schemeClr val="tx1">
-                        <a:lumMod val="65000"/>
-                        <a:lumOff val="35000"/>
-                      </a:schemeClr>
-                    </a:solidFill>
-                  </a:rPr>
-                  <a:t> </a:t>
-                </a:r>
-                <a:r>
-                  <a:rPr lang="en-US" sz="700" dirty="0" err="1">
-                    <a:solidFill>
-                      <a:schemeClr val="tx1">
-                        <a:lumMod val="65000"/>
-                        <a:lumOff val="35000"/>
-                      </a:schemeClr>
-                    </a:solidFill>
-                  </a:rPr>
-                  <a:t>proin</a:t>
-                </a:r>
-                <a:r>
-                  <a:rPr lang="en-US" sz="700" dirty="0">
-                    <a:solidFill>
-                      <a:schemeClr val="tx1">
-                        <a:lumMod val="65000"/>
-                        <a:lumOff val="35000"/>
-                      </a:schemeClr>
-                    </a:solidFill>
-                  </a:rPr>
-                  <a:t> </a:t>
-                </a:r>
-                <a:r>
-                  <a:rPr lang="en-US" sz="700" dirty="0" err="1">
-                    <a:solidFill>
-                      <a:schemeClr val="tx1">
-                        <a:lumMod val="65000"/>
-                        <a:lumOff val="35000"/>
-                      </a:schemeClr>
-                    </a:solidFill>
-                  </a:rPr>
-                  <a:t>egestas</a:t>
-                </a:r>
-                <a:r>
-                  <a:rPr lang="en-US" sz="700" dirty="0">
-                    <a:solidFill>
-                      <a:schemeClr val="tx1">
-                        <a:lumMod val="65000"/>
-                        <a:lumOff val="35000"/>
-                      </a:schemeClr>
-                    </a:solidFill>
-                  </a:rPr>
-                  <a:t> </a:t>
-                </a:r>
-                <a:r>
-                  <a:rPr lang="en-US" sz="700" dirty="0" err="1">
-                    <a:solidFill>
-                      <a:schemeClr val="tx1">
-                        <a:lumMod val="65000"/>
-                        <a:lumOff val="35000"/>
-                      </a:schemeClr>
-                    </a:solidFill>
-                  </a:rPr>
-                  <a:t>arcu</a:t>
-                </a:r>
-                <a:r>
-                  <a:rPr lang="en-US" sz="700" dirty="0">
-                    <a:solidFill>
-                      <a:schemeClr val="tx1">
-                        <a:lumMod val="65000"/>
-                        <a:lumOff val="35000"/>
-                      </a:schemeClr>
-                    </a:solidFill>
-                  </a:rPr>
-                  <a:t> </a:t>
-                </a:r>
-                <a:r>
-                  <a:rPr lang="en-US" sz="700" dirty="0" err="1">
-                    <a:solidFill>
-                      <a:schemeClr val="tx1">
-                        <a:lumMod val="65000"/>
-                        <a:lumOff val="35000"/>
-                      </a:schemeClr>
-                    </a:solidFill>
-                  </a:rPr>
-                  <a:t>erat</a:t>
-                </a:r>
-                <a:r>
-                  <a:rPr lang="en-US" sz="700" dirty="0">
-                    <a:solidFill>
-                      <a:schemeClr val="tx1">
-                        <a:lumMod val="65000"/>
-                        <a:lumOff val="35000"/>
-                      </a:schemeClr>
-                    </a:solidFill>
-                  </a:rPr>
-                  <a:t> dolor, at </a:t>
-                </a:r>
-                <a:r>
-                  <a:rPr lang="en-US" sz="700" dirty="0" err="1">
-                    <a:solidFill>
-                      <a:schemeClr val="tx1">
-                        <a:lumMod val="65000"/>
-                        <a:lumOff val="35000"/>
-                      </a:schemeClr>
-                    </a:solidFill>
-                  </a:rPr>
-                  <a:t>amet</a:t>
-                </a:r>
-                <a:r>
-                  <a:rPr lang="en-US" sz="700" dirty="0">
-                    <a:solidFill>
-                      <a:schemeClr val="tx1">
-                        <a:lumMod val="65000"/>
-                        <a:lumOff val="35000"/>
-                      </a:schemeClr>
-                    </a:solidFill>
-                  </a:rPr>
-                  <a:t>. </a:t>
-                </a:r>
+                <a:endParaRPr lang="en-US" sz="700" dirty="0">
+                  <a:solidFill>
+                    <a:schemeClr val="tx1">
+                      <a:lumMod val="65000"/>
+                      <a:lumOff val="35000"/>
+                    </a:schemeClr>
+                  </a:solidFill>
+                </a:endParaRPr>
               </a:p>
             </p:txBody>
           </p:sp>
@@ -6813,7 +5521,7 @@
             <p:cNvPr id="40" name="Group 39">
               <a:extLst>
                 <a:ext uri="{FF2B5EF4-FFF2-40B4-BE49-F238E27FC236}">
-                  <a16:creationId xmlns:a16="http://schemas.microsoft.com/office/drawing/2014/main" xmlns="" id="{39CD3C3F-1A7A-407F-887B-DB68AC5BFB94}"/>
+                  <a16:creationId xmlns="" xmlns:a16="http://schemas.microsoft.com/office/drawing/2014/main" id="{39CD3C3F-1A7A-407F-887B-DB68AC5BFB94}"/>
                 </a:ext>
               </a:extLst>
             </p:cNvPr>
@@ -6823,9 +5531,9 @@
           <p:grpSpPr>
             <a:xfrm>
               <a:off x="255548" y="1465256"/>
-              <a:ext cx="2202816" cy="1142783"/>
+              <a:ext cx="2202816" cy="872186"/>
               <a:chOff x="255548" y="1266168"/>
-              <a:chExt cx="2202816" cy="1142783"/>
+              <a:chExt cx="2202816" cy="872186"/>
             </a:xfrm>
           </p:grpSpPr>
           <p:sp>
@@ -6833,7 +5541,7 @@
               <p:cNvPr id="41" name="TextBox 40">
                 <a:extLst>
                   <a:ext uri="{FF2B5EF4-FFF2-40B4-BE49-F238E27FC236}">
-                    <a16:creationId xmlns:a16="http://schemas.microsoft.com/office/drawing/2014/main" xmlns="" id="{BC914CC3-40D8-423E-8FE8-2E223B1D03EA}"/>
+                    <a16:creationId xmlns="" xmlns:a16="http://schemas.microsoft.com/office/drawing/2014/main" id="{BC914CC3-40D8-423E-8FE8-2E223B1D03EA}"/>
                   </a:ext>
                 </a:extLst>
               </p:cNvPr>
@@ -6882,7 +5590,7 @@
               <p:cNvPr id="42" name="TextBox 41">
                 <a:extLst>
                   <a:ext uri="{FF2B5EF4-FFF2-40B4-BE49-F238E27FC236}">
-                    <a16:creationId xmlns:a16="http://schemas.microsoft.com/office/drawing/2014/main" xmlns="" id="{B564862B-CA21-4E48-905D-BFD248A3280C}"/>
+                    <a16:creationId xmlns="" xmlns:a16="http://schemas.microsoft.com/office/drawing/2014/main" id="{B564862B-CA21-4E48-905D-BFD248A3280C}"/>
                   </a:ext>
                 </a:extLst>
               </p:cNvPr>
@@ -6892,7 +5600,7 @@
             <p:spPr>
               <a:xfrm>
                 <a:off x="261394" y="1642262"/>
-                <a:ext cx="2196970" cy="766689"/>
+                <a:ext cx="2196970" cy="496092"/>
               </a:xfrm>
               <a:prstGeom prst="rect">
                 <a:avLst/>
@@ -6907,445 +5615,17 @@
               <a:p>
                 <a:pPr algn="just"/>
                 <a:r>
-                  <a:rPr lang="en-US" sz="700" dirty="0" err="1">
-                    <a:solidFill>
-                      <a:schemeClr val="tx1">
-                        <a:lumMod val="65000"/>
-                        <a:lumOff val="35000"/>
-                      </a:schemeClr>
-                    </a:solidFill>
-                  </a:rPr>
-                  <a:t>Lorem</a:t>
+                  <a:rPr lang="en-IN" sz="800" dirty="0" smtClean="0"/>
+                  <a:t>Onboard developers to your API faster with Postman collections and documentation</a:t>
                 </a:r>
-                <a:r>
-                  <a:rPr lang="en-US" sz="700" dirty="0">
-                    <a:solidFill>
-                      <a:schemeClr val="tx1">
-                        <a:lumMod val="65000"/>
-                        <a:lumOff val="35000"/>
-                      </a:schemeClr>
-                    </a:solidFill>
-                  </a:rPr>
-                  <a:t> </a:t>
-                </a:r>
-                <a:r>
-                  <a:rPr lang="en-US" sz="700" dirty="0" err="1">
-                    <a:solidFill>
-                      <a:schemeClr val="tx1">
-                        <a:lumMod val="65000"/>
-                        <a:lumOff val="35000"/>
-                      </a:schemeClr>
-                    </a:solidFill>
-                  </a:rPr>
-                  <a:t>ipsum</a:t>
-                </a:r>
-                <a:r>
-                  <a:rPr lang="en-US" sz="700" dirty="0">
-                    <a:solidFill>
-                      <a:schemeClr val="tx1">
-                        <a:lumMod val="65000"/>
-                        <a:lumOff val="35000"/>
-                      </a:schemeClr>
-                    </a:solidFill>
-                  </a:rPr>
-                  <a:t> dolor sit </a:t>
-                </a:r>
-                <a:r>
-                  <a:rPr lang="en-US" sz="700" dirty="0" err="1">
-                    <a:solidFill>
-                      <a:schemeClr val="tx1">
-                        <a:lumMod val="65000"/>
-                        <a:lumOff val="35000"/>
-                      </a:schemeClr>
-                    </a:solidFill>
-                  </a:rPr>
-                  <a:t>amet</a:t>
-                </a:r>
-                <a:r>
-                  <a:rPr lang="en-US" sz="700" dirty="0">
-                    <a:solidFill>
-                      <a:schemeClr val="tx1">
-                        <a:lumMod val="65000"/>
-                        <a:lumOff val="35000"/>
-                      </a:schemeClr>
-                    </a:solidFill>
-                  </a:rPr>
-                  <a:t>, </a:t>
-                </a:r>
-                <a:r>
-                  <a:rPr lang="en-US" sz="700" dirty="0" err="1">
-                    <a:solidFill>
-                      <a:schemeClr val="tx1">
-                        <a:lumMod val="65000"/>
-                        <a:lumOff val="35000"/>
-                      </a:schemeClr>
-                    </a:solidFill>
-                  </a:rPr>
-                  <a:t>nibh</a:t>
-                </a:r>
-                <a:r>
-                  <a:rPr lang="en-US" sz="700" dirty="0">
-                    <a:solidFill>
-                      <a:schemeClr val="tx1">
-                        <a:lumMod val="65000"/>
-                        <a:lumOff val="35000"/>
-                      </a:schemeClr>
-                    </a:solidFill>
-                  </a:rPr>
-                  <a:t> est. A magna </a:t>
-                </a:r>
-                <a:r>
-                  <a:rPr lang="en-US" sz="700" dirty="0" err="1">
-                    <a:solidFill>
-                      <a:schemeClr val="tx1">
-                        <a:lumMod val="65000"/>
-                        <a:lumOff val="35000"/>
-                      </a:schemeClr>
-                    </a:solidFill>
-                  </a:rPr>
-                  <a:t>maecenas</a:t>
-                </a:r>
-                <a:r>
-                  <a:rPr lang="en-US" sz="700" dirty="0">
-                    <a:solidFill>
-                      <a:schemeClr val="tx1">
-                        <a:lumMod val="65000"/>
-                        <a:lumOff val="35000"/>
-                      </a:schemeClr>
-                    </a:solidFill>
-                  </a:rPr>
-                  <a:t>, quam magna </a:t>
-                </a:r>
-                <a:r>
-                  <a:rPr lang="en-US" sz="700" dirty="0" err="1">
-                    <a:solidFill>
-                      <a:schemeClr val="tx1">
-                        <a:lumMod val="65000"/>
-                        <a:lumOff val="35000"/>
-                      </a:schemeClr>
-                    </a:solidFill>
-                  </a:rPr>
-                  <a:t>nec</a:t>
-                </a:r>
-                <a:r>
-                  <a:rPr lang="en-US" sz="700" dirty="0">
-                    <a:solidFill>
-                      <a:schemeClr val="tx1">
-                        <a:lumMod val="65000"/>
-                        <a:lumOff val="35000"/>
-                      </a:schemeClr>
-                    </a:solidFill>
-                  </a:rPr>
-                  <a:t> </a:t>
-                </a:r>
-                <a:r>
-                  <a:rPr lang="en-US" sz="700" dirty="0" err="1">
-                    <a:solidFill>
-                      <a:schemeClr val="tx1">
-                        <a:lumMod val="65000"/>
-                        <a:lumOff val="35000"/>
-                      </a:schemeClr>
-                    </a:solidFill>
-                  </a:rPr>
-                  <a:t>quis</a:t>
-                </a:r>
-                <a:r>
-                  <a:rPr lang="en-US" sz="700" dirty="0">
-                    <a:solidFill>
-                      <a:schemeClr val="tx1">
-                        <a:lumMod val="65000"/>
-                        <a:lumOff val="35000"/>
-                      </a:schemeClr>
-                    </a:solidFill>
-                  </a:rPr>
-                  <a:t>, </a:t>
-                </a:r>
-                <a:r>
-                  <a:rPr lang="en-US" sz="700" dirty="0" err="1">
-                    <a:solidFill>
-                      <a:schemeClr val="tx1">
-                        <a:lumMod val="65000"/>
-                        <a:lumOff val="35000"/>
-                      </a:schemeClr>
-                    </a:solidFill>
-                  </a:rPr>
-                  <a:t>lorem</a:t>
-                </a:r>
-                <a:r>
-                  <a:rPr lang="en-US" sz="700" dirty="0">
-                    <a:solidFill>
-                      <a:schemeClr val="tx1">
-                        <a:lumMod val="65000"/>
-                        <a:lumOff val="35000"/>
-                      </a:schemeClr>
-                    </a:solidFill>
-                  </a:rPr>
-                  <a:t> </a:t>
-                </a:r>
-                <a:r>
-                  <a:rPr lang="en-US" sz="700" dirty="0" err="1">
-                    <a:solidFill>
-                      <a:schemeClr val="tx1">
-                        <a:lumMod val="65000"/>
-                        <a:lumOff val="35000"/>
-                      </a:schemeClr>
-                    </a:solidFill>
-                  </a:rPr>
-                  <a:t>nunc</a:t>
-                </a:r>
-                <a:r>
-                  <a:rPr lang="en-US" sz="700" dirty="0">
-                    <a:solidFill>
-                      <a:schemeClr val="tx1">
-                        <a:lumMod val="65000"/>
-                        <a:lumOff val="35000"/>
-                      </a:schemeClr>
-                    </a:solidFill>
-                  </a:rPr>
-                  <a:t>. </a:t>
-                </a:r>
-                <a:r>
-                  <a:rPr lang="en-US" sz="700" dirty="0" err="1">
-                    <a:solidFill>
-                      <a:schemeClr val="tx1">
-                        <a:lumMod val="65000"/>
-                        <a:lumOff val="35000"/>
-                      </a:schemeClr>
-                    </a:solidFill>
-                  </a:rPr>
-                  <a:t>Suspendisse</a:t>
-                </a:r>
-                <a:r>
-                  <a:rPr lang="en-US" sz="700" dirty="0">
-                    <a:solidFill>
-                      <a:schemeClr val="tx1">
-                        <a:lumMod val="65000"/>
-                        <a:lumOff val="35000"/>
-                      </a:schemeClr>
-                    </a:solidFill>
-                  </a:rPr>
-                  <a:t> </a:t>
-                </a:r>
-                <a:r>
-                  <a:rPr lang="en-US" sz="700" dirty="0" err="1">
-                    <a:solidFill>
-                      <a:schemeClr val="tx1">
-                        <a:lumMod val="65000"/>
-                        <a:lumOff val="35000"/>
-                      </a:schemeClr>
-                    </a:solidFill>
-                  </a:rPr>
-                  <a:t>viverra</a:t>
-                </a:r>
-                <a:r>
-                  <a:rPr lang="en-US" sz="700" dirty="0">
-                    <a:solidFill>
-                      <a:schemeClr val="tx1">
-                        <a:lumMod val="65000"/>
-                        <a:lumOff val="35000"/>
-                      </a:schemeClr>
-                    </a:solidFill>
-                  </a:rPr>
-                  <a:t> </a:t>
-                </a:r>
-                <a:r>
-                  <a:rPr lang="en-US" sz="700" dirty="0" err="1">
-                    <a:solidFill>
-                      <a:schemeClr val="tx1">
-                        <a:lumMod val="65000"/>
-                        <a:lumOff val="35000"/>
-                      </a:schemeClr>
-                    </a:solidFill>
-                  </a:rPr>
-                  <a:t>sodales</a:t>
-                </a:r>
-                <a:r>
-                  <a:rPr lang="en-US" sz="700" dirty="0">
-                    <a:solidFill>
-                      <a:schemeClr val="tx1">
-                        <a:lumMod val="65000"/>
-                        <a:lumOff val="35000"/>
-                      </a:schemeClr>
-                    </a:solidFill>
-                  </a:rPr>
-                  <a:t> </a:t>
-                </a:r>
-                <a:r>
-                  <a:rPr lang="en-US" sz="700" dirty="0" err="1">
-                    <a:solidFill>
-                      <a:schemeClr val="tx1">
-                        <a:lumMod val="65000"/>
-                        <a:lumOff val="35000"/>
-                      </a:schemeClr>
-                    </a:solidFill>
-                  </a:rPr>
-                  <a:t>mauris</a:t>
-                </a:r>
-                <a:r>
-                  <a:rPr lang="en-US" sz="700" dirty="0">
-                    <a:solidFill>
-                      <a:schemeClr val="tx1">
-                        <a:lumMod val="65000"/>
-                        <a:lumOff val="35000"/>
-                      </a:schemeClr>
-                    </a:solidFill>
-                  </a:rPr>
-                  <a:t>, </a:t>
-                </a:r>
-                <a:r>
-                  <a:rPr lang="en-US" sz="700" dirty="0" err="1">
-                    <a:solidFill>
-                      <a:schemeClr val="tx1">
-                        <a:lumMod val="65000"/>
-                        <a:lumOff val="35000"/>
-                      </a:schemeClr>
-                    </a:solidFill>
-                  </a:rPr>
-                  <a:t>cras</a:t>
-                </a:r>
-                <a:r>
-                  <a:rPr lang="en-US" sz="700" dirty="0">
-                    <a:solidFill>
-                      <a:schemeClr val="tx1">
-                        <a:lumMod val="65000"/>
-                        <a:lumOff val="35000"/>
-                      </a:schemeClr>
-                    </a:solidFill>
-                  </a:rPr>
-                  <a:t> </a:t>
-                </a:r>
-                <a:r>
-                  <a:rPr lang="en-US" sz="700" dirty="0" err="1">
-                    <a:solidFill>
-                      <a:schemeClr val="tx1">
-                        <a:lumMod val="65000"/>
-                        <a:lumOff val="35000"/>
-                      </a:schemeClr>
-                    </a:solidFill>
-                  </a:rPr>
-                  <a:t>pharetra</a:t>
-                </a:r>
-                <a:r>
-                  <a:rPr lang="en-US" sz="700" dirty="0">
-                    <a:solidFill>
-                      <a:schemeClr val="tx1">
-                        <a:lumMod val="65000"/>
-                        <a:lumOff val="35000"/>
-                      </a:schemeClr>
-                    </a:solidFill>
-                  </a:rPr>
-                  <a:t> </a:t>
-                </a:r>
-                <a:r>
-                  <a:rPr lang="en-US" sz="700" dirty="0" err="1">
-                    <a:solidFill>
-                      <a:schemeClr val="tx1">
-                        <a:lumMod val="65000"/>
-                        <a:lumOff val="35000"/>
-                      </a:schemeClr>
-                    </a:solidFill>
-                  </a:rPr>
-                  <a:t>proin</a:t>
-                </a:r>
-                <a:r>
-                  <a:rPr lang="en-US" sz="700" dirty="0">
-                    <a:solidFill>
-                      <a:schemeClr val="tx1">
-                        <a:lumMod val="65000"/>
-                        <a:lumOff val="35000"/>
-                      </a:schemeClr>
-                    </a:solidFill>
-                  </a:rPr>
-                  <a:t> </a:t>
-                </a:r>
-                <a:r>
-                  <a:rPr lang="en-US" sz="700" dirty="0" err="1">
-                    <a:solidFill>
-                      <a:schemeClr val="tx1">
-                        <a:lumMod val="65000"/>
-                        <a:lumOff val="35000"/>
-                      </a:schemeClr>
-                    </a:solidFill>
-                  </a:rPr>
-                  <a:t>egestas</a:t>
-                </a:r>
-                <a:r>
-                  <a:rPr lang="en-US" sz="700" dirty="0">
-                    <a:solidFill>
-                      <a:schemeClr val="tx1">
-                        <a:lumMod val="65000"/>
-                        <a:lumOff val="35000"/>
-                      </a:schemeClr>
-                    </a:solidFill>
-                  </a:rPr>
-                  <a:t> </a:t>
-                </a:r>
-                <a:r>
-                  <a:rPr lang="en-US" sz="700" dirty="0" err="1">
-                    <a:solidFill>
-                      <a:schemeClr val="tx1">
-                        <a:lumMod val="65000"/>
-                        <a:lumOff val="35000"/>
-                      </a:schemeClr>
-                    </a:solidFill>
-                  </a:rPr>
-                  <a:t>arcu</a:t>
-                </a:r>
-                <a:r>
-                  <a:rPr lang="en-US" sz="700" dirty="0">
-                    <a:solidFill>
-                      <a:schemeClr val="tx1">
-                        <a:lumMod val="65000"/>
-                        <a:lumOff val="35000"/>
-                      </a:schemeClr>
-                    </a:solidFill>
-                  </a:rPr>
-                  <a:t> </a:t>
-                </a:r>
-                <a:r>
-                  <a:rPr lang="en-US" sz="700" dirty="0" err="1">
-                    <a:solidFill>
-                      <a:schemeClr val="tx1">
-                        <a:lumMod val="65000"/>
-                        <a:lumOff val="35000"/>
-                      </a:schemeClr>
-                    </a:solidFill>
-                  </a:rPr>
-                  <a:t>erat</a:t>
-                </a:r>
-                <a:r>
-                  <a:rPr lang="en-US" sz="700" dirty="0">
-                    <a:solidFill>
-                      <a:schemeClr val="tx1">
-                        <a:lumMod val="65000"/>
-                        <a:lumOff val="35000"/>
-                      </a:schemeClr>
-                    </a:solidFill>
-                  </a:rPr>
-                  <a:t> dolor, at </a:t>
-                </a:r>
-                <a:r>
-                  <a:rPr lang="en-US" sz="700" dirty="0" err="1">
-                    <a:solidFill>
-                      <a:schemeClr val="tx1">
-                        <a:lumMod val="65000"/>
-                        <a:lumOff val="35000"/>
-                      </a:schemeClr>
-                    </a:solidFill>
-                  </a:rPr>
-                  <a:t>amet</a:t>
-                </a:r>
-                <a:r>
-                  <a:rPr lang="en-US" sz="700" dirty="0">
-                    <a:solidFill>
-                      <a:schemeClr val="tx1">
-                        <a:lumMod val="65000"/>
-                        <a:lumOff val="35000"/>
-                      </a:schemeClr>
-                    </a:solidFill>
-                  </a:rPr>
-                  <a:t>. </a:t>
-                </a:r>
+                <a:endParaRPr lang="en-US" sz="700" dirty="0">
+                  <a:solidFill>
+                    <a:schemeClr val="tx1">
+                      <a:lumMod val="65000"/>
+                      <a:lumOff val="35000"/>
+                    </a:schemeClr>
+                  </a:solidFill>
+                </a:endParaRPr>
               </a:p>
             </p:txBody>
           </p:sp>
@@ -7693,7 +5973,7 @@
           <p:cNvPr id="67" name="Right Triangle 66">
             <a:extLst>
               <a:ext uri="{FF2B5EF4-FFF2-40B4-BE49-F238E27FC236}">
-                <a16:creationId xmlns:a16="http://schemas.microsoft.com/office/drawing/2014/main" xmlns="" id="{D342A894-1F25-40DF-BDF2-E1F774FE55DD}"/>
+                <a16:creationId xmlns="" xmlns:a16="http://schemas.microsoft.com/office/drawing/2014/main" id="{D342A894-1F25-40DF-BDF2-E1F774FE55DD}"/>
               </a:ext>
             </a:extLst>
           </p:cNvPr>
@@ -7752,7 +6032,7 @@
           <p:cNvPr id="68" name="Rectangle 67">
             <a:extLst>
               <a:ext uri="{FF2B5EF4-FFF2-40B4-BE49-F238E27FC236}">
-                <a16:creationId xmlns:a16="http://schemas.microsoft.com/office/drawing/2014/main" xmlns="" id="{35676C20-4CA7-4B55-B846-C0251D709E8A}"/>
+                <a16:creationId xmlns="" xmlns:a16="http://schemas.microsoft.com/office/drawing/2014/main" id="{35676C20-4CA7-4B55-B846-C0251D709E8A}"/>
               </a:ext>
             </a:extLst>
           </p:cNvPr>
@@ -7862,15 +6142,7 @@
                   <a:schemeClr val="tx1"/>
                 </a:solidFill>
               </a:rPr>
-              <a:t> </a:t>
-            </a:r>
-            <a:r>
-              <a:rPr lang="en-IN" sz="1400" dirty="0" smtClean="0">
-                <a:solidFill>
-                  <a:schemeClr val="tx1"/>
-                </a:solidFill>
-              </a:rPr>
-              <a:t>platforms.</a:t>
+              <a:t> platforms.</a:t>
             </a:r>
             <a:endParaRPr lang="en-US" sz="1400" dirty="0">
               <a:solidFill>
@@ -7885,7 +6157,7 @@
           <p:cNvPr id="70" name="Arrow: Pentagon 3">
             <a:extLst>
               <a:ext uri="{FF2B5EF4-FFF2-40B4-BE49-F238E27FC236}">
-                <a16:creationId xmlns:a16="http://schemas.microsoft.com/office/drawing/2014/main" xmlns="" id="{0EB70031-DD32-458A-82D9-326183F7A65B}"/>
+                <a16:creationId xmlns="" xmlns:a16="http://schemas.microsoft.com/office/drawing/2014/main" id="{0EB70031-DD32-458A-82D9-326183F7A65B}"/>
               </a:ext>
             </a:extLst>
           </p:cNvPr>
@@ -7945,7 +6217,7 @@
           <p:cNvPr id="73" name="Rectangle 72">
             <a:extLst>
               <a:ext uri="{FF2B5EF4-FFF2-40B4-BE49-F238E27FC236}">
-                <a16:creationId xmlns:a16="http://schemas.microsoft.com/office/drawing/2014/main" xmlns="" id="{35676C20-4CA7-4B55-B846-C0251D709E8A}"/>
+                <a16:creationId xmlns="" xmlns:a16="http://schemas.microsoft.com/office/drawing/2014/main" id="{35676C20-4CA7-4B55-B846-C0251D709E8A}"/>
               </a:ext>
             </a:extLst>
           </p:cNvPr>
@@ -8091,21 +6363,8 @@
                   <a:schemeClr val="tx1"/>
                 </a:solidFill>
               </a:rPr>
-              <a:t>Import </a:t>
-            </a:r>
-            <a:r>
-              <a:rPr lang="en-IN" sz="1400" dirty="0" smtClean="0">
-                <a:solidFill>
-                  <a:schemeClr val="tx1"/>
-                </a:solidFill>
-              </a:rPr>
-              <a:t>postman collections into SOAP UI </a:t>
-            </a:r>
-            <a:endParaRPr lang="en-IN" sz="1400" dirty="0" smtClean="0">
-              <a:solidFill>
-                <a:schemeClr val="tx1"/>
-              </a:solidFill>
-            </a:endParaRPr>
+              <a:t>Import postman collections into SOAP UI </a:t>
+            </a:r>
           </a:p>
           <a:p>
             <a:pPr>
@@ -8133,7 +6392,7 @@
           <p:cNvPr id="74" name="Arrow: Pentagon 3">
             <a:extLst>
               <a:ext uri="{FF2B5EF4-FFF2-40B4-BE49-F238E27FC236}">
-                <a16:creationId xmlns:a16="http://schemas.microsoft.com/office/drawing/2014/main" xmlns="" id="{0EB70031-DD32-458A-82D9-326183F7A65B}"/>
+                <a16:creationId xmlns="" xmlns:a16="http://schemas.microsoft.com/office/drawing/2014/main" id="{0EB70031-DD32-458A-82D9-326183F7A65B}"/>
               </a:ext>
             </a:extLst>
           </p:cNvPr>
@@ -8185,6 +6444,2355 @@
               <a:t>Features</a:t>
             </a:r>
             <a:endParaRPr lang="en-US" b="1" cap="all" dirty="0"/>
+          </a:p>
+        </p:txBody>
+      </p:sp>
+      <p:pic>
+        <p:nvPicPr>
+          <p:cNvPr id="55" name="Picture 2" descr="Image result for postman icon"/>
+          <p:cNvPicPr>
+            <a:picLocks noChangeAspect="1" noChangeArrowheads="1"/>
+          </p:cNvPicPr>
+          <p:nvPr/>
+        </p:nvPicPr>
+        <p:blipFill>
+          <a:blip r:embed="rId8" cstate="print"/>
+          <a:srcRect/>
+          <a:stretch>
+            <a:fillRect/>
+          </a:stretch>
+        </p:blipFill>
+        <p:spPr bwMode="auto">
+          <a:xfrm>
+            <a:off x="3810000" y="4343400"/>
+            <a:ext cx="609600" cy="609600"/>
+          </a:xfrm>
+          <a:prstGeom prst="rect">
+            <a:avLst/>
+          </a:prstGeom>
+          <a:noFill/>
+        </p:spPr>
+      </p:pic>
+    </p:spTree>
+  </p:cSld>
+  <p:clrMapOvr>
+    <a:masterClrMapping/>
+  </p:clrMapOvr>
+</p:sld>
+</file>
+
+<file path=ppt/slides/slide4.xml><?xml version="1.0" encoding="utf-8"?>
+<p:sld xmlns:a="http://schemas.openxmlformats.org/drawingml/2006/main" xmlns:r="http://schemas.openxmlformats.org/officeDocument/2006/relationships" xmlns:p="http://schemas.openxmlformats.org/presentationml/2006/main">
+  <p:cSld>
+    <p:spTree>
+      <p:nvGrpSpPr>
+        <p:cNvPr id="1" name=""/>
+        <p:cNvGrpSpPr/>
+        <p:nvPr/>
+      </p:nvGrpSpPr>
+      <p:grpSpPr>
+        <a:xfrm>
+          <a:off x="0" y="0"/>
+          <a:ext cx="0" cy="0"/>
+          <a:chOff x="0" y="0"/>
+          <a:chExt cx="0" cy="0"/>
+        </a:xfrm>
+      </p:grpSpPr>
+      <p:sp>
+        <p:nvSpPr>
+          <p:cNvPr id="2" name="Title 1"/>
+          <p:cNvSpPr>
+            <a:spLocks noGrp="1"/>
+          </p:cNvSpPr>
+          <p:nvPr>
+            <p:ph type="title"/>
+          </p:nvPr>
+        </p:nvSpPr>
+        <p:spPr>
+          <a:xfrm>
+            <a:off x="457200" y="46038"/>
+            <a:ext cx="8229600" cy="1020762"/>
+          </a:xfrm>
+        </p:spPr>
+        <p:txBody>
+          <a:bodyPr>
+            <a:normAutofit/>
+          </a:bodyPr>
+          <a:lstStyle/>
+          <a:p>
+            <a:r>
+              <a:rPr lang="en-US" sz="3200" dirty="0" smtClean="0"/>
+              <a:t>Postman </a:t>
+            </a:r>
+            <a:r>
+              <a:rPr lang="en-US" sz="3200" dirty="0" smtClean="0"/>
+              <a:t>Collections</a:t>
+            </a:r>
+            <a:endParaRPr lang="en-US" sz="4000" dirty="0"/>
+          </a:p>
+        </p:txBody>
+      </p:sp>
+      <p:sp>
+        <p:nvSpPr>
+          <p:cNvPr id="3" name="Content Placeholder 2"/>
+          <p:cNvSpPr>
+            <a:spLocks noGrp="1"/>
+          </p:cNvSpPr>
+          <p:nvPr>
+            <p:ph idx="1"/>
+          </p:nvPr>
+        </p:nvSpPr>
+        <p:spPr>
+          <a:xfrm>
+            <a:off x="457200" y="838201"/>
+            <a:ext cx="8229600" cy="3276600"/>
+          </a:xfrm>
+        </p:spPr>
+        <p:txBody>
+          <a:bodyPr>
+            <a:normAutofit/>
+          </a:bodyPr>
+          <a:lstStyle/>
+          <a:p>
+            <a:r>
+              <a:rPr lang="en-IN" sz="2000" dirty="0" smtClean="0"/>
+              <a:t>A Postman Collection is </a:t>
+            </a:r>
+            <a:r>
+              <a:rPr lang="en-IN" sz="2000" dirty="0" smtClean="0"/>
+              <a:t>an Executable </a:t>
+            </a:r>
+            <a:r>
+              <a:rPr lang="en-IN" sz="2000" dirty="0" smtClean="0"/>
+              <a:t>API </a:t>
+            </a:r>
+            <a:r>
+              <a:rPr lang="en-IN" sz="2000" dirty="0" smtClean="0"/>
+              <a:t>Description</a:t>
+            </a:r>
+          </a:p>
+          <a:p>
+            <a:r>
+              <a:rPr lang="en-IN" sz="2000" dirty="0" smtClean="0"/>
+              <a:t>It is the core of Postman API Development Environment</a:t>
+            </a:r>
+          </a:p>
+          <a:p>
+            <a:r>
+              <a:rPr lang="en-IN" sz="2000" dirty="0" smtClean="0"/>
+              <a:t>Collections allow us to :</a:t>
+            </a:r>
+          </a:p>
+          <a:p>
+            <a:pPr lvl="1"/>
+            <a:r>
+              <a:rPr lang="en-IN" sz="1600" dirty="0" smtClean="0"/>
+              <a:t>Group a set of requests into an API suite</a:t>
+            </a:r>
+          </a:p>
+          <a:p>
+            <a:pPr lvl="1"/>
+            <a:r>
+              <a:rPr lang="en-IN" sz="1600" dirty="0" smtClean="0"/>
+              <a:t>Organize requests into folders</a:t>
+            </a:r>
+          </a:p>
+          <a:p>
+            <a:pPr lvl="1"/>
+            <a:r>
+              <a:rPr lang="en-IN" sz="1600" dirty="0" smtClean="0"/>
+              <a:t>Send requests individually, or use collection runner to send all the requests in the collection</a:t>
+            </a:r>
+          </a:p>
+          <a:p>
+            <a:pPr lvl="1"/>
+            <a:r>
+              <a:rPr lang="en-IN" sz="1600" dirty="0" smtClean="0"/>
+              <a:t>Document the collection with description, tests and more</a:t>
+            </a:r>
+          </a:p>
+          <a:p>
+            <a:pPr lvl="1"/>
+            <a:r>
+              <a:rPr lang="en-IN" sz="1600" dirty="0" smtClean="0"/>
+              <a:t>Examine responses and view results</a:t>
+            </a:r>
+            <a:endParaRPr lang="en-US" sz="1600" dirty="0"/>
+          </a:p>
+        </p:txBody>
+      </p:sp>
+      <p:sp>
+        <p:nvSpPr>
+          <p:cNvPr id="1026" name="AutoShape 2" descr="Image result for thinking icon"/>
+          <p:cNvSpPr>
+            <a:spLocks noChangeAspect="1" noChangeArrowheads="1"/>
+          </p:cNvSpPr>
+          <p:nvPr/>
+        </p:nvSpPr>
+        <p:spPr bwMode="auto">
+          <a:xfrm>
+            <a:off x="155575" y="-144463"/>
+            <a:ext cx="304800" cy="304801"/>
+          </a:xfrm>
+          <a:prstGeom prst="rect">
+            <a:avLst/>
+          </a:prstGeom>
+          <a:noFill/>
+        </p:spPr>
+        <p:txBody>
+          <a:bodyPr vert="horz" wrap="square" lIns="91440" tIns="45720" rIns="91440" bIns="45720" numCol="1" anchor="t" anchorCtr="0" compatLnSpc="1">
+            <a:prstTxWarp prst="textNoShape">
+              <a:avLst/>
+            </a:prstTxWarp>
+          </a:bodyPr>
+          <a:lstStyle/>
+          <a:p>
+            <a:endParaRPr lang="en-US"/>
+          </a:p>
+        </p:txBody>
+      </p:sp>
+      <p:sp>
+        <p:nvSpPr>
+          <p:cNvPr id="1028" name="AutoShape 4" descr="Image result for thinking icon"/>
+          <p:cNvSpPr>
+            <a:spLocks noChangeAspect="1" noChangeArrowheads="1"/>
+          </p:cNvSpPr>
+          <p:nvPr/>
+        </p:nvSpPr>
+        <p:spPr bwMode="auto">
+          <a:xfrm>
+            <a:off x="155575" y="-144463"/>
+            <a:ext cx="304800" cy="304801"/>
+          </a:xfrm>
+          <a:prstGeom prst="rect">
+            <a:avLst/>
+          </a:prstGeom>
+          <a:noFill/>
+        </p:spPr>
+        <p:txBody>
+          <a:bodyPr vert="horz" wrap="square" lIns="91440" tIns="45720" rIns="91440" bIns="45720" numCol="1" anchor="t" anchorCtr="0" compatLnSpc="1">
+            <a:prstTxWarp prst="textNoShape">
+              <a:avLst/>
+            </a:prstTxWarp>
+          </a:bodyPr>
+          <a:lstStyle/>
+          <a:p>
+            <a:endParaRPr lang="en-US"/>
+          </a:p>
+        </p:txBody>
+      </p:sp>
+      <p:pic>
+        <p:nvPicPr>
+          <p:cNvPr id="1030" name="Picture 6" descr="Image result for thinking icon"/>
+          <p:cNvPicPr>
+            <a:picLocks noChangeAspect="1" noChangeArrowheads="1"/>
+          </p:cNvPicPr>
+          <p:nvPr/>
+        </p:nvPicPr>
+        <p:blipFill>
+          <a:blip r:embed="rId2"/>
+          <a:srcRect/>
+          <a:stretch>
+            <a:fillRect/>
+          </a:stretch>
+        </p:blipFill>
+        <p:spPr bwMode="auto">
+          <a:xfrm>
+            <a:off x="1371600" y="4114800"/>
+            <a:ext cx="1905000" cy="1905000"/>
+          </a:xfrm>
+          <a:prstGeom prst="rect">
+            <a:avLst/>
+          </a:prstGeom>
+          <a:noFill/>
+        </p:spPr>
+      </p:pic>
+      <p:sp>
+        <p:nvSpPr>
+          <p:cNvPr id="7" name="TextBox 6"/>
+          <p:cNvSpPr txBox="1"/>
+          <p:nvPr/>
+        </p:nvSpPr>
+        <p:spPr>
+          <a:xfrm>
+            <a:off x="3276600" y="3886200"/>
+            <a:ext cx="3393878" cy="2308324"/>
+          </a:xfrm>
+          <a:prstGeom prst="rect">
+            <a:avLst/>
+          </a:prstGeom>
+          <a:noFill/>
+        </p:spPr>
+        <p:txBody>
+          <a:bodyPr wrap="none" rtlCol="0">
+            <a:spAutoFit/>
+          </a:bodyPr>
+          <a:lstStyle/>
+          <a:p>
+            <a:r>
+              <a:rPr lang="en-US" b="1" dirty="0" smtClean="0"/>
+              <a:t>What we can do with collections?</a:t>
+            </a:r>
+          </a:p>
+          <a:p>
+            <a:pPr>
+              <a:lnSpc>
+                <a:spcPct val="150000"/>
+              </a:lnSpc>
+              <a:buBlip>
+                <a:blip r:embed="rId3"/>
+              </a:buBlip>
+            </a:pPr>
+            <a:r>
+              <a:rPr lang="en-IN" sz="1200" dirty="0" smtClean="0"/>
+              <a:t>Share Collection</a:t>
+            </a:r>
+          </a:p>
+          <a:p>
+            <a:pPr>
+              <a:lnSpc>
+                <a:spcPct val="150000"/>
+              </a:lnSpc>
+              <a:buBlip>
+                <a:blip r:embed="rId3"/>
+              </a:buBlip>
+            </a:pPr>
+            <a:r>
+              <a:rPr lang="en-IN" sz="1200" dirty="0" smtClean="0"/>
+              <a:t>Export Collection</a:t>
+            </a:r>
+          </a:p>
+          <a:p>
+            <a:pPr>
+              <a:lnSpc>
+                <a:spcPct val="150000"/>
+              </a:lnSpc>
+              <a:buBlip>
+                <a:blip r:embed="rId3"/>
+              </a:buBlip>
+            </a:pPr>
+            <a:r>
+              <a:rPr lang="en-IN" sz="1200" dirty="0" smtClean="0"/>
+              <a:t>Add Folder to a Collection</a:t>
+            </a:r>
+          </a:p>
+          <a:p>
+            <a:pPr>
+              <a:lnSpc>
+                <a:spcPct val="150000"/>
+              </a:lnSpc>
+              <a:buBlip>
+                <a:blip r:embed="rId3"/>
+              </a:buBlip>
+            </a:pPr>
+            <a:r>
+              <a:rPr lang="en-IN" sz="1200" dirty="0" smtClean="0"/>
+              <a:t>Duplicate the Collection</a:t>
+            </a:r>
+          </a:p>
+          <a:p>
+            <a:pPr>
+              <a:lnSpc>
+                <a:spcPct val="150000"/>
+              </a:lnSpc>
+              <a:buBlip>
+                <a:blip r:embed="rId3"/>
+              </a:buBlip>
+            </a:pPr>
+            <a:r>
+              <a:rPr lang="en-IN" sz="1200" dirty="0" smtClean="0"/>
+              <a:t>Remove the collection from workspace</a:t>
+            </a:r>
+          </a:p>
+          <a:p>
+            <a:pPr>
+              <a:lnSpc>
+                <a:spcPct val="150000"/>
+              </a:lnSpc>
+              <a:buBlip>
+                <a:blip r:embed="rId3"/>
+              </a:buBlip>
+            </a:pPr>
+            <a:r>
+              <a:rPr lang="en-IN" sz="1200" dirty="0" smtClean="0"/>
+              <a:t>Delete the collection</a:t>
+            </a:r>
+          </a:p>
+          <a:p>
+            <a:pPr>
+              <a:lnSpc>
+                <a:spcPct val="150000"/>
+              </a:lnSpc>
+              <a:buBlip>
+                <a:blip r:embed="rId3"/>
+              </a:buBlip>
+            </a:pPr>
+            <a:r>
+              <a:rPr lang="en-IN" sz="1200" dirty="0" smtClean="0"/>
+              <a:t>Leave a comment on the </a:t>
+            </a:r>
+            <a:r>
+              <a:rPr lang="en-IN" sz="1200" dirty="0" smtClean="0"/>
+              <a:t>collection</a:t>
+            </a:r>
+            <a:endParaRPr lang="en-IN" sz="1400" dirty="0" smtClean="0"/>
+          </a:p>
+        </p:txBody>
+      </p:sp>
+    </p:spTree>
+  </p:cSld>
+  <p:clrMapOvr>
+    <a:masterClrMapping/>
+  </p:clrMapOvr>
+  <p:timing>
+    <p:tnLst>
+      <p:par>
+        <p:cTn id="1" dur="indefinite" restart="never" nodeType="tmRoot"/>
+      </p:par>
+    </p:tnLst>
+  </p:timing>
+</p:sld>
+</file>
+
+<file path=ppt/slides/slide5.xml><?xml version="1.0" encoding="utf-8"?>
+<p:sld xmlns:a="http://schemas.openxmlformats.org/drawingml/2006/main" xmlns:r="http://schemas.openxmlformats.org/officeDocument/2006/relationships" xmlns:p="http://schemas.openxmlformats.org/presentationml/2006/main">
+  <p:cSld>
+    <p:spTree>
+      <p:nvGrpSpPr>
+        <p:cNvPr id="1" name=""/>
+        <p:cNvGrpSpPr/>
+        <p:nvPr/>
+      </p:nvGrpSpPr>
+      <p:grpSpPr>
+        <a:xfrm>
+          <a:off x="0" y="0"/>
+          <a:ext cx="0" cy="0"/>
+          <a:chOff x="0" y="0"/>
+          <a:chExt cx="0" cy="0"/>
+        </a:xfrm>
+      </p:grpSpPr>
+      <p:sp>
+        <p:nvSpPr>
+          <p:cNvPr id="2" name="Title 1"/>
+          <p:cNvSpPr>
+            <a:spLocks noGrp="1"/>
+          </p:cNvSpPr>
+          <p:nvPr>
+            <p:ph type="title"/>
+          </p:nvPr>
+        </p:nvSpPr>
+        <p:spPr>
+          <a:xfrm>
+            <a:off x="457200" y="0"/>
+            <a:ext cx="8229600" cy="1143000"/>
+          </a:xfrm>
+        </p:spPr>
+        <p:txBody>
+          <a:bodyPr>
+            <a:normAutofit/>
+          </a:bodyPr>
+          <a:lstStyle/>
+          <a:p>
+            <a:r>
+              <a:rPr lang="en-US" sz="3200" dirty="0" smtClean="0"/>
+              <a:t>Writing Automated Tests using Postman</a:t>
+            </a:r>
+            <a:endParaRPr lang="en-US" sz="3200" dirty="0"/>
+          </a:p>
+        </p:txBody>
+      </p:sp>
+      <p:sp>
+        <p:nvSpPr>
+          <p:cNvPr id="3" name="Content Placeholder 2"/>
+          <p:cNvSpPr>
+            <a:spLocks noGrp="1"/>
+          </p:cNvSpPr>
+          <p:nvPr>
+            <p:ph idx="1"/>
+          </p:nvPr>
+        </p:nvSpPr>
+        <p:spPr>
+          <a:xfrm>
+            <a:off x="457200" y="990600"/>
+            <a:ext cx="8229600" cy="1401763"/>
+          </a:xfrm>
+        </p:spPr>
+        <p:txBody>
+          <a:bodyPr>
+            <a:normAutofit/>
+          </a:bodyPr>
+          <a:lstStyle/>
+          <a:p>
+            <a:r>
+              <a:rPr lang="en-IN" sz="1800" dirty="0" smtClean="0"/>
+              <a:t>Postman contains a powerful runtime based on Node.js that allows you to add dynamic </a:t>
+            </a:r>
+            <a:r>
+              <a:rPr lang="en-IN" sz="1800" dirty="0" err="1" smtClean="0"/>
+              <a:t>behavior</a:t>
+            </a:r>
+            <a:r>
+              <a:rPr lang="en-IN" sz="1800" dirty="0" smtClean="0"/>
+              <a:t> to requests and collections. This allows you to write test suites, build requests that can contain dynamic parameters, pass data between </a:t>
+            </a:r>
+            <a:r>
+              <a:rPr lang="en-IN" sz="1800" dirty="0" smtClean="0"/>
+              <a:t>requests</a:t>
+            </a:r>
+            <a:r>
+              <a:rPr lang="en-IN" sz="1800" dirty="0" smtClean="0"/>
+              <a:t> </a:t>
+            </a:r>
+            <a:r>
+              <a:rPr lang="en-IN" sz="1800" dirty="0" smtClean="0"/>
+              <a:t>etc. </a:t>
+            </a:r>
+            <a:r>
+              <a:rPr lang="en-IN" sz="1800" dirty="0" smtClean="0"/>
+              <a:t>You can add </a:t>
+            </a:r>
+            <a:r>
+              <a:rPr lang="en-IN" sz="1800" b="1" u="sng" dirty="0" smtClean="0"/>
+              <a:t>JavaScript</a:t>
+            </a:r>
+            <a:r>
+              <a:rPr lang="en-IN" sz="1800" dirty="0" smtClean="0"/>
+              <a:t> code to execute during 2 events in the flow</a:t>
+            </a:r>
+            <a:r>
+              <a:rPr lang="en-IN" sz="1800" dirty="0" smtClean="0"/>
+              <a:t>:</a:t>
+            </a:r>
+            <a:endParaRPr lang="en-US" sz="1800" dirty="0"/>
+          </a:p>
+        </p:txBody>
+      </p:sp>
+      <p:grpSp>
+        <p:nvGrpSpPr>
+          <p:cNvPr id="37" name="Group 36"/>
+          <p:cNvGrpSpPr/>
+          <p:nvPr/>
+        </p:nvGrpSpPr>
+        <p:grpSpPr>
+          <a:xfrm>
+            <a:off x="228600" y="2362200"/>
+            <a:ext cx="8458200" cy="1538795"/>
+            <a:chOff x="228600" y="2195005"/>
+            <a:chExt cx="8458200" cy="1538795"/>
+          </a:xfrm>
+        </p:grpSpPr>
+        <p:pic>
+          <p:nvPicPr>
+            <p:cNvPr id="17410" name="Picture 2" descr="test script"/>
+            <p:cNvPicPr>
+              <a:picLocks noChangeAspect="1" noChangeArrowheads="1"/>
+            </p:cNvPicPr>
+            <p:nvPr/>
+          </p:nvPicPr>
+          <p:blipFill>
+            <a:blip r:embed="rId2" cstate="print"/>
+            <a:srcRect b="52140"/>
+            <a:stretch>
+              <a:fillRect/>
+            </a:stretch>
+          </p:blipFill>
+          <p:spPr bwMode="auto">
+            <a:xfrm>
+              <a:off x="2362200" y="2195005"/>
+              <a:ext cx="4267200" cy="1538795"/>
+            </a:xfrm>
+            <a:prstGeom prst="rect">
+              <a:avLst/>
+            </a:prstGeom>
+            <a:noFill/>
+          </p:spPr>
+        </p:pic>
+        <p:cxnSp>
+          <p:nvCxnSpPr>
+            <p:cNvPr id="15" name="Elbow Connector 14"/>
+            <p:cNvCxnSpPr/>
+            <p:nvPr/>
+          </p:nvCxnSpPr>
+          <p:spPr>
+            <a:xfrm flipV="1">
+              <a:off x="4724400" y="3125788"/>
+              <a:ext cx="1981200" cy="74612"/>
+            </a:xfrm>
+            <a:prstGeom prst="bentConnector3">
+              <a:avLst>
+                <a:gd name="adj1" fmla="val 50000"/>
+              </a:avLst>
+            </a:prstGeom>
+            <a:ln>
+              <a:tailEnd type="arrow"/>
+            </a:ln>
+          </p:spPr>
+          <p:style>
+            <a:lnRef idx="1">
+              <a:schemeClr val="accent1"/>
+            </a:lnRef>
+            <a:fillRef idx="0">
+              <a:schemeClr val="accent1"/>
+            </a:fillRef>
+            <a:effectRef idx="0">
+              <a:schemeClr val="accent1"/>
+            </a:effectRef>
+            <a:fontRef idx="minor">
+              <a:schemeClr val="tx1"/>
+            </a:fontRef>
+          </p:style>
+        </p:cxnSp>
+        <p:cxnSp>
+          <p:nvCxnSpPr>
+            <p:cNvPr id="19" name="Elbow Connector 18"/>
+            <p:cNvCxnSpPr/>
+            <p:nvPr/>
+          </p:nvCxnSpPr>
+          <p:spPr>
+            <a:xfrm rot="10800000">
+              <a:off x="2133600" y="3048000"/>
+              <a:ext cx="1981200" cy="76200"/>
+            </a:xfrm>
+            <a:prstGeom prst="bentConnector3">
+              <a:avLst>
+                <a:gd name="adj1" fmla="val 0"/>
+              </a:avLst>
+            </a:prstGeom>
+            <a:ln>
+              <a:tailEnd type="arrow"/>
+            </a:ln>
+          </p:spPr>
+          <p:style>
+            <a:lnRef idx="1">
+              <a:schemeClr val="accent1"/>
+            </a:lnRef>
+            <a:fillRef idx="0">
+              <a:schemeClr val="accent1"/>
+            </a:fillRef>
+            <a:effectRef idx="0">
+              <a:schemeClr val="accent1"/>
+            </a:effectRef>
+            <a:fontRef idx="minor">
+              <a:schemeClr val="tx1"/>
+            </a:fontRef>
+          </p:style>
+        </p:cxnSp>
+        <p:sp>
+          <p:nvSpPr>
+            <p:cNvPr id="32" name="Oval 31"/>
+            <p:cNvSpPr/>
+            <p:nvPr/>
+          </p:nvSpPr>
+          <p:spPr>
+            <a:xfrm>
+              <a:off x="3962400" y="3124200"/>
+              <a:ext cx="457200" cy="152400"/>
+            </a:xfrm>
+            <a:prstGeom prst="ellipse">
+              <a:avLst/>
+            </a:prstGeom>
+            <a:noFill/>
+            <a:ln w="9525" cmpd="dbl">
+              <a:prstDash val="sysDot"/>
+            </a:ln>
+            <a:effectLst>
+              <a:outerShdw blurRad="50800" dist="50800" dir="5400000" algn="ctr" rotWithShape="0">
+                <a:srgbClr val="000000">
+                  <a:alpha val="0"/>
+                </a:srgbClr>
+              </a:outerShdw>
+            </a:effectLst>
+          </p:spPr>
+          <p:style>
+            <a:lnRef idx="2">
+              <a:schemeClr val="accent1">
+                <a:shade val="50000"/>
+              </a:schemeClr>
+            </a:lnRef>
+            <a:fillRef idx="1">
+              <a:schemeClr val="accent1"/>
+            </a:fillRef>
+            <a:effectRef idx="0">
+              <a:schemeClr val="accent1"/>
+            </a:effectRef>
+            <a:fontRef idx="minor">
+              <a:schemeClr val="lt1"/>
+            </a:fontRef>
+          </p:style>
+          <p:txBody>
+            <a:bodyPr rtlCol="0" anchor="ctr"/>
+            <a:lstStyle/>
+            <a:p>
+              <a:pPr algn="ctr"/>
+              <a:endParaRPr lang="en-US"/>
+            </a:p>
+          </p:txBody>
+        </p:sp>
+        <p:sp>
+          <p:nvSpPr>
+            <p:cNvPr id="33" name="Oval 32"/>
+            <p:cNvSpPr/>
+            <p:nvPr/>
+          </p:nvSpPr>
+          <p:spPr>
+            <a:xfrm>
+              <a:off x="4419600" y="3124200"/>
+              <a:ext cx="304800" cy="152400"/>
+            </a:xfrm>
+            <a:prstGeom prst="ellipse">
+              <a:avLst/>
+            </a:prstGeom>
+            <a:noFill/>
+            <a:ln w="9525" cmpd="dbl">
+              <a:prstDash val="sysDot"/>
+            </a:ln>
+            <a:effectLst>
+              <a:outerShdw blurRad="50800" dist="50800" dir="5400000" algn="ctr" rotWithShape="0">
+                <a:srgbClr val="000000">
+                  <a:alpha val="0"/>
+                </a:srgbClr>
+              </a:outerShdw>
+            </a:effectLst>
+          </p:spPr>
+          <p:style>
+            <a:lnRef idx="2">
+              <a:schemeClr val="accent1">
+                <a:shade val="50000"/>
+              </a:schemeClr>
+            </a:lnRef>
+            <a:fillRef idx="1">
+              <a:schemeClr val="accent1"/>
+            </a:fillRef>
+            <a:effectRef idx="0">
+              <a:schemeClr val="accent1"/>
+            </a:effectRef>
+            <a:fontRef idx="minor">
+              <a:schemeClr val="lt1"/>
+            </a:fontRef>
+          </p:style>
+          <p:txBody>
+            <a:bodyPr rtlCol="0" anchor="ctr"/>
+            <a:lstStyle/>
+            <a:p>
+              <a:pPr algn="ctr"/>
+              <a:endParaRPr lang="en-US"/>
+            </a:p>
+          </p:txBody>
+        </p:sp>
+        <p:sp>
+          <p:nvSpPr>
+            <p:cNvPr id="34" name="Rectangle 33"/>
+            <p:cNvSpPr/>
+            <p:nvPr/>
+          </p:nvSpPr>
+          <p:spPr>
+            <a:xfrm>
+              <a:off x="228600" y="2667000"/>
+              <a:ext cx="1905000" cy="769441"/>
+            </a:xfrm>
+            <a:prstGeom prst="rect">
+              <a:avLst/>
+            </a:prstGeom>
+          </p:spPr>
+          <p:txBody>
+            <a:bodyPr wrap="square">
+              <a:spAutoFit/>
+            </a:bodyPr>
+            <a:lstStyle/>
+            <a:p>
+              <a:r>
+                <a:rPr lang="en-IN" sz="1100" dirty="0" smtClean="0"/>
+                <a:t>Before a request is sent to the server, as a pre-request script under the </a:t>
+              </a:r>
+              <a:r>
+                <a:rPr lang="en-IN" sz="1100" b="1" dirty="0" smtClean="0"/>
+                <a:t>Pre-request Script</a:t>
+              </a:r>
+              <a:r>
+                <a:rPr lang="en-IN" sz="1100" dirty="0" smtClean="0"/>
+                <a:t> tab</a:t>
+              </a:r>
+              <a:endParaRPr lang="en-US" sz="1100" dirty="0"/>
+            </a:p>
+          </p:txBody>
+        </p:sp>
+        <p:sp>
+          <p:nvSpPr>
+            <p:cNvPr id="35" name="Rectangle 34"/>
+            <p:cNvSpPr/>
+            <p:nvPr/>
+          </p:nvSpPr>
+          <p:spPr>
+            <a:xfrm>
+              <a:off x="6781800" y="2667000"/>
+              <a:ext cx="1905000" cy="600164"/>
+            </a:xfrm>
+            <a:prstGeom prst="rect">
+              <a:avLst/>
+            </a:prstGeom>
+          </p:spPr>
+          <p:txBody>
+            <a:bodyPr wrap="square">
+              <a:spAutoFit/>
+            </a:bodyPr>
+            <a:lstStyle/>
+            <a:p>
+              <a:r>
+                <a:rPr lang="en-IN" sz="1100" dirty="0" smtClean="0"/>
+                <a:t>After a response is received, as a test script under the </a:t>
+              </a:r>
+              <a:r>
+                <a:rPr lang="en-IN" sz="1100" b="1" dirty="0" smtClean="0"/>
+                <a:t>Tests</a:t>
+              </a:r>
+              <a:r>
+                <a:rPr lang="en-IN" sz="1100" dirty="0" smtClean="0"/>
+                <a:t> tab</a:t>
+              </a:r>
+              <a:endParaRPr lang="en-US" sz="1100" dirty="0"/>
+            </a:p>
+          </p:txBody>
+        </p:sp>
+      </p:grpSp>
+      <p:pic>
+        <p:nvPicPr>
+          <p:cNvPr id="17412" name="Picture 4" descr="workflow for single request"/>
+          <p:cNvPicPr>
+            <a:picLocks noChangeAspect="1" noChangeArrowheads="1"/>
+          </p:cNvPicPr>
+          <p:nvPr/>
+        </p:nvPicPr>
+        <p:blipFill>
+          <a:blip r:embed="rId3"/>
+          <a:srcRect/>
+          <a:stretch>
+            <a:fillRect/>
+          </a:stretch>
+        </p:blipFill>
+        <p:spPr bwMode="auto">
+          <a:xfrm>
+            <a:off x="1338996" y="5257800"/>
+            <a:ext cx="5671404" cy="1371600"/>
+          </a:xfrm>
+          <a:prstGeom prst="rect">
+            <a:avLst/>
+          </a:prstGeom>
+          <a:noFill/>
+        </p:spPr>
+      </p:pic>
+      <p:sp>
+        <p:nvSpPr>
+          <p:cNvPr id="38" name="Rectangle 37"/>
+          <p:cNvSpPr/>
+          <p:nvPr/>
+        </p:nvSpPr>
+        <p:spPr>
+          <a:xfrm>
+            <a:off x="2971800" y="4191000"/>
+            <a:ext cx="2613601" cy="369332"/>
+          </a:xfrm>
+          <a:prstGeom prst="rect">
+            <a:avLst/>
+          </a:prstGeom>
+        </p:spPr>
+        <p:txBody>
+          <a:bodyPr wrap="none">
+            <a:spAutoFit/>
+          </a:bodyPr>
+          <a:lstStyle/>
+          <a:p>
+            <a:pPr algn="ctr"/>
+            <a:r>
+              <a:rPr lang="en-US" b="1" dirty="0" smtClean="0"/>
+              <a:t>Execution order of scripts</a:t>
+            </a:r>
+            <a:endParaRPr lang="en-US" b="1" dirty="0"/>
+          </a:p>
+        </p:txBody>
+      </p:sp>
+      <p:sp>
+        <p:nvSpPr>
+          <p:cNvPr id="39" name="Rectangle 38"/>
+          <p:cNvSpPr/>
+          <p:nvPr/>
+        </p:nvSpPr>
+        <p:spPr>
+          <a:xfrm>
+            <a:off x="609600" y="4648200"/>
+            <a:ext cx="7772400" cy="584775"/>
+          </a:xfrm>
+          <a:prstGeom prst="rect">
+            <a:avLst/>
+          </a:prstGeom>
+        </p:spPr>
+        <p:txBody>
+          <a:bodyPr wrap="square">
+            <a:spAutoFit/>
+          </a:bodyPr>
+          <a:lstStyle/>
+          <a:p>
+            <a:r>
+              <a:rPr lang="en-IN" sz="1600" dirty="0" smtClean="0"/>
+              <a:t>A pre-request script associated with a request will execute before the request is sent</a:t>
+            </a:r>
+          </a:p>
+          <a:p>
+            <a:r>
+              <a:rPr lang="en-IN" sz="1600" dirty="0" smtClean="0"/>
+              <a:t>A test script associated with a request will execute after the request is sent</a:t>
+            </a:r>
+            <a:endParaRPr lang="en-IN" sz="1600" dirty="0"/>
+          </a:p>
+        </p:txBody>
+      </p:sp>
+    </p:spTree>
+  </p:cSld>
+  <p:clrMapOvr>
+    <a:masterClrMapping/>
+  </p:clrMapOvr>
+  <p:timing>
+    <p:tnLst>
+      <p:par>
+        <p:cTn id="1" dur="indefinite" restart="never" nodeType="tmRoot"/>
+      </p:par>
+    </p:tnLst>
+  </p:timing>
+</p:sld>
+</file>
+
+<file path=ppt/slides/slide6.xml><?xml version="1.0" encoding="utf-8"?>
+<p:sld xmlns:a="http://schemas.openxmlformats.org/drawingml/2006/main" xmlns:r="http://schemas.openxmlformats.org/officeDocument/2006/relationships" xmlns:p="http://schemas.openxmlformats.org/presentationml/2006/main">
+  <p:cSld>
+    <p:spTree>
+      <p:nvGrpSpPr>
+        <p:cNvPr id="1" name=""/>
+        <p:cNvGrpSpPr/>
+        <p:nvPr/>
+      </p:nvGrpSpPr>
+      <p:grpSpPr>
+        <a:xfrm>
+          <a:off x="0" y="0"/>
+          <a:ext cx="0" cy="0"/>
+          <a:chOff x="0" y="0"/>
+          <a:chExt cx="0" cy="0"/>
+        </a:xfrm>
+      </p:grpSpPr>
+      <p:sp>
+        <p:nvSpPr>
+          <p:cNvPr id="7" name="Rectangle 6">
+            <a:extLst>
+              <a:ext uri="{FF2B5EF4-FFF2-40B4-BE49-F238E27FC236}">
+                <a16:creationId xmlns="" xmlns:a16="http://schemas.microsoft.com/office/drawing/2014/main" id="{35676C20-4CA7-4B55-B846-C0251D709E8A}"/>
+              </a:ext>
+            </a:extLst>
+          </p:cNvPr>
+          <p:cNvSpPr/>
+          <p:nvPr/>
+        </p:nvSpPr>
+        <p:spPr>
+          <a:xfrm>
+            <a:off x="330186" y="3893127"/>
+            <a:ext cx="3937014" cy="2583873"/>
+          </a:xfrm>
+          <a:prstGeom prst="rect">
+            <a:avLst/>
+          </a:prstGeom>
+          <a:solidFill>
+            <a:schemeClr val="bg1"/>
+          </a:solidFill>
+          <a:ln w="57150">
+            <a:solidFill>
+              <a:schemeClr val="bg1">
+                <a:lumMod val="65000"/>
+              </a:schemeClr>
+            </a:solidFill>
+          </a:ln>
+        </p:spPr>
+        <p:style>
+          <a:lnRef idx="2">
+            <a:schemeClr val="accent1">
+              <a:shade val="50000"/>
+            </a:schemeClr>
+          </a:lnRef>
+          <a:fillRef idx="1">
+            <a:schemeClr val="accent1"/>
+          </a:fillRef>
+          <a:effectRef idx="0">
+            <a:schemeClr val="accent1"/>
+          </a:effectRef>
+          <a:fontRef idx="minor">
+            <a:schemeClr val="lt1"/>
+          </a:fontRef>
+        </p:style>
+        <p:txBody>
+          <a:bodyPr rot="0" spcFirstLastPara="0" vertOverflow="overflow" horzOverflow="overflow" vert="horz" wrap="square" lIns="137160" tIns="342900" rIns="137160" bIns="68580" numCol="1" spcCol="0" rtlCol="0" fromWordArt="0" anchor="t" anchorCtr="0" forceAA="0" compatLnSpc="1">
+            <a:prstTxWarp prst="textNoShape">
+              <a:avLst/>
+            </a:prstTxWarp>
+            <a:noAutofit/>
+          </a:bodyPr>
+          <a:lstStyle/>
+          <a:p>
+            <a:pPr>
+              <a:lnSpc>
+                <a:spcPct val="150000"/>
+              </a:lnSpc>
+            </a:pPr>
+            <a:endParaRPr lang="en-US" sz="1400" dirty="0">
+              <a:solidFill>
+                <a:schemeClr val="tx1"/>
+              </a:solidFill>
+            </a:endParaRPr>
+          </a:p>
+        </p:txBody>
+      </p:sp>
+      <p:sp>
+        <p:nvSpPr>
+          <p:cNvPr id="8" name="Arrow: Pentagon 3">
+            <a:extLst>
+              <a:ext uri="{FF2B5EF4-FFF2-40B4-BE49-F238E27FC236}">
+                <a16:creationId xmlns="" xmlns:a16="http://schemas.microsoft.com/office/drawing/2014/main" id="{0EB70031-DD32-458A-82D9-326183F7A65B}"/>
+              </a:ext>
+            </a:extLst>
+          </p:cNvPr>
+          <p:cNvSpPr/>
+          <p:nvPr/>
+        </p:nvSpPr>
+        <p:spPr>
+          <a:xfrm>
+            <a:off x="304801" y="3657600"/>
+            <a:ext cx="2286000" cy="457200"/>
+          </a:xfrm>
+          <a:prstGeom prst="homePlate">
+            <a:avLst/>
+          </a:prstGeom>
+          <a:solidFill>
+            <a:schemeClr val="accent1"/>
+          </a:solidFill>
+          <a:ln>
+            <a:noFill/>
+          </a:ln>
+        </p:spPr>
+        <p:style>
+          <a:lnRef idx="2">
+            <a:schemeClr val="accent1">
+              <a:shade val="50000"/>
+            </a:schemeClr>
+          </a:lnRef>
+          <a:fillRef idx="1">
+            <a:schemeClr val="accent1"/>
+          </a:fillRef>
+          <a:effectRef idx="0">
+            <a:schemeClr val="accent1"/>
+          </a:effectRef>
+          <a:fontRef idx="minor">
+            <a:schemeClr val="lt1"/>
+          </a:fontRef>
+        </p:style>
+        <p:txBody>
+          <a:bodyPr rot="0" spcFirstLastPara="0" vertOverflow="overflow" horzOverflow="overflow" vert="horz" wrap="square" lIns="617220" tIns="34290" rIns="68580" bIns="34290" numCol="1" spcCol="0" rtlCol="0" fromWordArt="0" anchor="ctr" anchorCtr="0" forceAA="0" compatLnSpc="1">
+            <a:prstTxWarp prst="textNoShape">
+              <a:avLst/>
+            </a:prstTxWarp>
+            <a:noAutofit/>
+          </a:bodyPr>
+          <a:lstStyle/>
+          <a:p>
+            <a:r>
+              <a:rPr lang="en-US" sz="1400" b="1" cap="all" dirty="0" smtClean="0"/>
+              <a:t>Variable scopes</a:t>
+            </a:r>
+            <a:endParaRPr lang="en-US" sz="1400" b="1" cap="all" dirty="0"/>
+          </a:p>
+        </p:txBody>
+      </p:sp>
+      <p:sp>
+        <p:nvSpPr>
+          <p:cNvPr id="2" name="Title 1"/>
+          <p:cNvSpPr>
+            <a:spLocks noGrp="1"/>
+          </p:cNvSpPr>
+          <p:nvPr>
+            <p:ph type="title"/>
+          </p:nvPr>
+        </p:nvSpPr>
+        <p:spPr>
+          <a:xfrm>
+            <a:off x="457200" y="76200"/>
+            <a:ext cx="8229600" cy="868362"/>
+          </a:xfrm>
+        </p:spPr>
+        <p:txBody>
+          <a:bodyPr>
+            <a:normAutofit/>
+          </a:bodyPr>
+          <a:lstStyle/>
+          <a:p>
+            <a:r>
+              <a:rPr lang="en-US" sz="3600" dirty="0" smtClean="0"/>
+              <a:t>Environment</a:t>
+            </a:r>
+            <a:r>
+              <a:rPr lang="en-US" dirty="0" smtClean="0"/>
+              <a:t> </a:t>
+            </a:r>
+            <a:r>
+              <a:rPr lang="en-US" sz="3600" dirty="0" smtClean="0"/>
+              <a:t>and Variables</a:t>
+            </a:r>
+            <a:endParaRPr lang="en-US" dirty="0"/>
+          </a:p>
+        </p:txBody>
+      </p:sp>
+      <p:sp>
+        <p:nvSpPr>
+          <p:cNvPr id="3" name="Content Placeholder 2"/>
+          <p:cNvSpPr>
+            <a:spLocks noGrp="1"/>
+          </p:cNvSpPr>
+          <p:nvPr>
+            <p:ph idx="1"/>
+          </p:nvPr>
+        </p:nvSpPr>
+        <p:spPr>
+          <a:xfrm>
+            <a:off x="457200" y="838201"/>
+            <a:ext cx="8229600" cy="3047999"/>
+          </a:xfrm>
+        </p:spPr>
+        <p:txBody>
+          <a:bodyPr>
+            <a:normAutofit fontScale="92500" lnSpcReduction="10000"/>
+          </a:bodyPr>
+          <a:lstStyle/>
+          <a:p>
+            <a:pPr>
+              <a:buNone/>
+            </a:pPr>
+            <a:r>
+              <a:rPr lang="en-US" sz="2000" b="1" dirty="0" smtClean="0"/>
+              <a:t>Environments</a:t>
+            </a:r>
+          </a:p>
+          <a:p>
+            <a:r>
+              <a:rPr lang="en-IN" sz="1800" dirty="0" smtClean="0"/>
+              <a:t>An </a:t>
+            </a:r>
+            <a:r>
+              <a:rPr lang="en-IN" sz="1800" dirty="0" smtClean="0"/>
+              <a:t>environment is a set of key-value pairs. The key </a:t>
+            </a:r>
+            <a:r>
+              <a:rPr lang="en-IN" sz="1800" dirty="0" smtClean="0"/>
+              <a:t>represents the </a:t>
+            </a:r>
+            <a:r>
+              <a:rPr lang="en-IN" sz="1800" dirty="0" smtClean="0"/>
+              <a:t>name of the variable</a:t>
+            </a:r>
+            <a:r>
+              <a:rPr lang="en-IN" sz="1800" dirty="0" smtClean="0"/>
+              <a:t>.</a:t>
+            </a:r>
+          </a:p>
+          <a:p>
+            <a:r>
+              <a:rPr lang="en-IN" sz="1800" dirty="0" smtClean="0"/>
+              <a:t>Lets us to customize requests using variables so you can easily switch between different setups without changing your requests</a:t>
+            </a:r>
+          </a:p>
+          <a:p>
+            <a:r>
+              <a:rPr lang="en-IN" sz="1800" dirty="0" smtClean="0"/>
+              <a:t>We can create, share, duplicate, export, and delete an environment. Also lets us import an environment as a single JSON file</a:t>
+            </a:r>
+            <a:endParaRPr lang="en-IN" sz="2000" dirty="0" smtClean="0"/>
+          </a:p>
+          <a:p>
+            <a:pPr>
+              <a:buNone/>
+            </a:pPr>
+            <a:r>
+              <a:rPr lang="en-US" sz="2000" b="1" dirty="0" smtClean="0"/>
+              <a:t>Variables</a:t>
+            </a:r>
+            <a:endParaRPr lang="en-US" sz="2400" b="1" dirty="0" smtClean="0"/>
+          </a:p>
+          <a:p>
+            <a:r>
+              <a:rPr lang="en-US" sz="1800" dirty="0" smtClean="0"/>
+              <a:t>Variables can be used in request </a:t>
+            </a:r>
+            <a:r>
+              <a:rPr lang="en-US" sz="1800" dirty="0" err="1" smtClean="0"/>
+              <a:t>url</a:t>
+            </a:r>
+            <a:r>
+              <a:rPr lang="en-US" sz="1800" dirty="0" smtClean="0"/>
+              <a:t>, headers, pre-requisite script and tests.</a:t>
+            </a:r>
+          </a:p>
+          <a:p>
+            <a:r>
+              <a:rPr lang="en-US" sz="1800" dirty="0" smtClean="0"/>
+              <a:t>Supports data variables in </a:t>
+            </a:r>
+            <a:r>
+              <a:rPr lang="en-US" sz="1800" dirty="0" err="1" smtClean="0"/>
+              <a:t>csv</a:t>
+            </a:r>
+            <a:r>
+              <a:rPr lang="en-US" sz="1800" dirty="0" smtClean="0"/>
+              <a:t> and </a:t>
+            </a:r>
+            <a:r>
+              <a:rPr lang="en-US" sz="1800" dirty="0" err="1" smtClean="0"/>
+              <a:t>json</a:t>
+            </a:r>
+            <a:r>
+              <a:rPr lang="en-US" sz="1800" dirty="0" smtClean="0"/>
+              <a:t> formats. In this way tests can be parameterized with different sets of data using external files</a:t>
+            </a:r>
+          </a:p>
+          <a:p>
+            <a:pPr>
+              <a:buNone/>
+            </a:pPr>
+            <a:endParaRPr lang="en-IN" sz="2000" dirty="0" smtClean="0"/>
+          </a:p>
+        </p:txBody>
+      </p:sp>
+      <p:pic>
+        <p:nvPicPr>
+          <p:cNvPr id="18434" name="Picture 2" descr="nested variable scopes"/>
+          <p:cNvPicPr>
+            <a:picLocks noChangeAspect="1" noChangeArrowheads="1"/>
+          </p:cNvPicPr>
+          <p:nvPr/>
+        </p:nvPicPr>
+        <p:blipFill>
+          <a:blip r:embed="rId2"/>
+          <a:srcRect/>
+          <a:stretch>
+            <a:fillRect/>
+          </a:stretch>
+        </p:blipFill>
+        <p:spPr bwMode="auto">
+          <a:xfrm>
+            <a:off x="1600200" y="4267199"/>
+            <a:ext cx="2438400" cy="2133601"/>
+          </a:xfrm>
+          <a:prstGeom prst="rect">
+            <a:avLst/>
+          </a:prstGeom>
+          <a:noFill/>
+        </p:spPr>
+      </p:pic>
+      <p:sp>
+        <p:nvSpPr>
+          <p:cNvPr id="5" name="Rectangle 4"/>
+          <p:cNvSpPr/>
+          <p:nvPr/>
+        </p:nvSpPr>
+        <p:spPr>
+          <a:xfrm>
+            <a:off x="381000" y="4311640"/>
+            <a:ext cx="1371600" cy="1708160"/>
+          </a:xfrm>
+          <a:prstGeom prst="rect">
+            <a:avLst/>
+          </a:prstGeom>
+        </p:spPr>
+        <p:txBody>
+          <a:bodyPr wrap="square">
+            <a:spAutoFit/>
+          </a:bodyPr>
+          <a:lstStyle/>
+          <a:p>
+            <a:pPr>
+              <a:lnSpc>
+                <a:spcPct val="150000"/>
+              </a:lnSpc>
+              <a:buFont typeface="Arial" pitchFamily="34" charset="0"/>
+              <a:buChar char="•"/>
+            </a:pPr>
+            <a:r>
+              <a:rPr lang="en-US" sz="1400" dirty="0" smtClean="0"/>
+              <a:t>Global</a:t>
+            </a:r>
+            <a:endParaRPr lang="en-US" sz="1400" dirty="0" smtClean="0"/>
+          </a:p>
+          <a:p>
+            <a:pPr>
+              <a:lnSpc>
+                <a:spcPct val="150000"/>
+              </a:lnSpc>
+              <a:buFont typeface="Arial" pitchFamily="34" charset="0"/>
+              <a:buChar char="•"/>
+            </a:pPr>
+            <a:r>
+              <a:rPr lang="en-US" sz="1400" dirty="0" smtClean="0"/>
+              <a:t>Collection</a:t>
+            </a:r>
+          </a:p>
+          <a:p>
+            <a:pPr>
+              <a:lnSpc>
+                <a:spcPct val="150000"/>
+              </a:lnSpc>
+              <a:buFont typeface="Arial" pitchFamily="34" charset="0"/>
+              <a:buChar char="•"/>
+            </a:pPr>
+            <a:r>
+              <a:rPr lang="en-US" sz="1400" dirty="0" smtClean="0"/>
+              <a:t>Environment</a:t>
+            </a:r>
+          </a:p>
+          <a:p>
+            <a:pPr>
+              <a:lnSpc>
+                <a:spcPct val="150000"/>
+              </a:lnSpc>
+              <a:buFont typeface="Arial" pitchFamily="34" charset="0"/>
+              <a:buChar char="•"/>
+            </a:pPr>
+            <a:r>
+              <a:rPr lang="en-US" sz="1400" dirty="0" smtClean="0"/>
+              <a:t>Data</a:t>
+            </a:r>
+          </a:p>
+          <a:p>
+            <a:pPr>
+              <a:lnSpc>
+                <a:spcPct val="150000"/>
+              </a:lnSpc>
+              <a:buFont typeface="Arial" pitchFamily="34" charset="0"/>
+              <a:buChar char="•"/>
+            </a:pPr>
+            <a:r>
+              <a:rPr lang="en-US" sz="1400" dirty="0" smtClean="0"/>
+              <a:t>Local</a:t>
+            </a:r>
+            <a:endParaRPr lang="en-US" sz="1400" dirty="0"/>
+          </a:p>
+        </p:txBody>
+      </p:sp>
+      <p:sp>
+        <p:nvSpPr>
+          <p:cNvPr id="6" name="Rectangle 5"/>
+          <p:cNvSpPr/>
+          <p:nvPr/>
+        </p:nvSpPr>
+        <p:spPr>
+          <a:xfrm>
+            <a:off x="5181600" y="3810000"/>
+            <a:ext cx="1676400" cy="1954381"/>
+          </a:xfrm>
+          <a:prstGeom prst="rect">
+            <a:avLst/>
+          </a:prstGeom>
+        </p:spPr>
+        <p:txBody>
+          <a:bodyPr wrap="square">
+            <a:spAutoFit/>
+          </a:bodyPr>
+          <a:lstStyle/>
+          <a:p>
+            <a:r>
+              <a:rPr lang="en-US" sz="1600" b="1" dirty="0" smtClean="0"/>
+              <a:t>Variable Scopes</a:t>
+            </a:r>
+          </a:p>
+          <a:p>
+            <a:pPr>
+              <a:lnSpc>
+                <a:spcPct val="150000"/>
+              </a:lnSpc>
+              <a:buFont typeface="Arial" pitchFamily="34" charset="0"/>
+              <a:buChar char="•"/>
+            </a:pPr>
+            <a:r>
+              <a:rPr lang="en-US" sz="1400" dirty="0" smtClean="0"/>
+              <a:t>Global</a:t>
+            </a:r>
+            <a:endParaRPr lang="en-US" sz="1400" dirty="0" smtClean="0"/>
+          </a:p>
+          <a:p>
+            <a:pPr>
+              <a:lnSpc>
+                <a:spcPct val="150000"/>
+              </a:lnSpc>
+              <a:buFont typeface="Arial" pitchFamily="34" charset="0"/>
+              <a:buChar char="•"/>
+            </a:pPr>
+            <a:r>
+              <a:rPr lang="en-US" sz="1400" dirty="0" smtClean="0"/>
+              <a:t>Collection</a:t>
+            </a:r>
+          </a:p>
+          <a:p>
+            <a:pPr>
+              <a:lnSpc>
+                <a:spcPct val="150000"/>
+              </a:lnSpc>
+              <a:buFont typeface="Arial" pitchFamily="34" charset="0"/>
+              <a:buChar char="•"/>
+            </a:pPr>
+            <a:r>
+              <a:rPr lang="en-US" sz="1400" dirty="0" smtClean="0"/>
+              <a:t>Environment</a:t>
+            </a:r>
+          </a:p>
+          <a:p>
+            <a:pPr>
+              <a:lnSpc>
+                <a:spcPct val="150000"/>
+              </a:lnSpc>
+              <a:buFont typeface="Arial" pitchFamily="34" charset="0"/>
+              <a:buChar char="•"/>
+            </a:pPr>
+            <a:r>
+              <a:rPr lang="en-US" sz="1400" dirty="0" smtClean="0"/>
+              <a:t>Data</a:t>
+            </a:r>
+          </a:p>
+          <a:p>
+            <a:pPr>
+              <a:lnSpc>
+                <a:spcPct val="150000"/>
+              </a:lnSpc>
+              <a:buFont typeface="Arial" pitchFamily="34" charset="0"/>
+              <a:buChar char="•"/>
+            </a:pPr>
+            <a:r>
+              <a:rPr lang="en-US" sz="1400" dirty="0" smtClean="0"/>
+              <a:t>Local</a:t>
+            </a:r>
+            <a:endParaRPr lang="en-US" sz="1400" dirty="0"/>
+          </a:p>
+        </p:txBody>
+      </p:sp>
+      <p:sp>
+        <p:nvSpPr>
+          <p:cNvPr id="9" name="Rectangle 8">
+            <a:extLst>
+              <a:ext uri="{FF2B5EF4-FFF2-40B4-BE49-F238E27FC236}">
+                <a16:creationId xmlns="" xmlns:a16="http://schemas.microsoft.com/office/drawing/2014/main" id="{35676C20-4CA7-4B55-B846-C0251D709E8A}"/>
+              </a:ext>
+            </a:extLst>
+          </p:cNvPr>
+          <p:cNvSpPr/>
+          <p:nvPr/>
+        </p:nvSpPr>
+        <p:spPr>
+          <a:xfrm>
+            <a:off x="4368786" y="3893127"/>
+            <a:ext cx="4546614" cy="2583873"/>
+          </a:xfrm>
+          <a:prstGeom prst="rect">
+            <a:avLst/>
+          </a:prstGeom>
+          <a:solidFill>
+            <a:schemeClr val="bg1"/>
+          </a:solidFill>
+          <a:ln w="57150">
+            <a:solidFill>
+              <a:schemeClr val="bg1">
+                <a:lumMod val="65000"/>
+              </a:schemeClr>
+            </a:solidFill>
+          </a:ln>
+        </p:spPr>
+        <p:style>
+          <a:lnRef idx="2">
+            <a:schemeClr val="accent1">
+              <a:shade val="50000"/>
+            </a:schemeClr>
+          </a:lnRef>
+          <a:fillRef idx="1">
+            <a:schemeClr val="accent1"/>
+          </a:fillRef>
+          <a:effectRef idx="0">
+            <a:schemeClr val="accent1"/>
+          </a:effectRef>
+          <a:fontRef idx="minor">
+            <a:schemeClr val="lt1"/>
+          </a:fontRef>
+        </p:style>
+        <p:txBody>
+          <a:bodyPr rot="0" spcFirstLastPara="0" vertOverflow="overflow" horzOverflow="overflow" vert="horz" wrap="square" lIns="137160" tIns="342900" rIns="137160" bIns="68580" numCol="1" spcCol="0" rtlCol="0" fromWordArt="0" anchor="t" anchorCtr="0" forceAA="0" compatLnSpc="1">
+            <a:prstTxWarp prst="textNoShape">
+              <a:avLst/>
+            </a:prstTxWarp>
+            <a:noAutofit/>
+          </a:bodyPr>
+          <a:lstStyle/>
+          <a:p>
+            <a:r>
+              <a:rPr lang="en-US" sz="1400" dirty="0" smtClean="0">
+                <a:solidFill>
+                  <a:schemeClr val="tx1"/>
+                </a:solidFill>
+              </a:rPr>
+              <a:t>Request Builder </a:t>
+            </a:r>
+          </a:p>
+          <a:p>
+            <a:endParaRPr lang="en-US" sz="1400" dirty="0" smtClean="0">
+              <a:solidFill>
+                <a:schemeClr val="tx1"/>
+              </a:solidFill>
+            </a:endParaRPr>
+          </a:p>
+          <a:p>
+            <a:r>
+              <a:rPr lang="en-US" sz="1400" dirty="0" smtClean="0">
+                <a:solidFill>
+                  <a:schemeClr val="tx1"/>
+                </a:solidFill>
+              </a:rPr>
+              <a:t>Through Script</a:t>
+            </a:r>
+          </a:p>
+          <a:p>
+            <a:endParaRPr lang="en-US" sz="1400" dirty="0" smtClean="0">
+              <a:solidFill>
+                <a:schemeClr val="tx1"/>
+              </a:solidFill>
+            </a:endParaRPr>
+          </a:p>
+          <a:p>
+            <a:r>
+              <a:rPr lang="en-US" sz="1400" dirty="0" smtClean="0">
+                <a:solidFill>
+                  <a:schemeClr val="tx1"/>
+                </a:solidFill>
+              </a:rPr>
+              <a:t>Data Variables</a:t>
+            </a:r>
+          </a:p>
+          <a:p>
+            <a:r>
+              <a:rPr lang="en-US" sz="1400" dirty="0" smtClean="0">
+                <a:solidFill>
+                  <a:schemeClr val="tx1"/>
+                </a:solidFill>
+              </a:rPr>
+              <a:t>In pre-script </a:t>
+            </a:r>
+          </a:p>
+          <a:p>
+            <a:r>
+              <a:rPr lang="en-US" sz="1400" dirty="0" smtClean="0">
+                <a:solidFill>
+                  <a:schemeClr val="tx1"/>
+                </a:solidFill>
+              </a:rPr>
+              <a:t>and tests</a:t>
+            </a:r>
+          </a:p>
+          <a:p>
+            <a:endParaRPr lang="en-US" sz="1400" dirty="0" smtClean="0">
+              <a:solidFill>
+                <a:schemeClr val="tx1"/>
+              </a:solidFill>
+            </a:endParaRPr>
+          </a:p>
+          <a:p>
+            <a:r>
+              <a:rPr lang="en-US" sz="1400" dirty="0" smtClean="0">
+                <a:solidFill>
+                  <a:schemeClr val="tx1"/>
+                </a:solidFill>
+              </a:rPr>
+              <a:t>Data Variables</a:t>
+            </a:r>
+          </a:p>
+          <a:p>
+            <a:r>
+              <a:rPr lang="en-US" sz="1400" dirty="0" smtClean="0">
+                <a:solidFill>
+                  <a:schemeClr val="tx1"/>
+                </a:solidFill>
+              </a:rPr>
+              <a:t>In Requests</a:t>
+            </a:r>
+            <a:endParaRPr lang="en-US" sz="1400" dirty="0">
+              <a:solidFill>
+                <a:schemeClr val="tx1"/>
+              </a:solidFill>
+            </a:endParaRPr>
+          </a:p>
+        </p:txBody>
+      </p:sp>
+      <p:sp>
+        <p:nvSpPr>
+          <p:cNvPr id="10" name="Arrow: Pentagon 3">
+            <a:extLst>
+              <a:ext uri="{FF2B5EF4-FFF2-40B4-BE49-F238E27FC236}">
+                <a16:creationId xmlns="" xmlns:a16="http://schemas.microsoft.com/office/drawing/2014/main" id="{0EB70031-DD32-458A-82D9-326183F7A65B}"/>
+              </a:ext>
+            </a:extLst>
+          </p:cNvPr>
+          <p:cNvSpPr/>
+          <p:nvPr/>
+        </p:nvSpPr>
+        <p:spPr>
+          <a:xfrm>
+            <a:off x="4343400" y="3657600"/>
+            <a:ext cx="2667000" cy="457200"/>
+          </a:xfrm>
+          <a:prstGeom prst="homePlate">
+            <a:avLst/>
+          </a:prstGeom>
+          <a:solidFill>
+            <a:schemeClr val="accent1"/>
+          </a:solidFill>
+          <a:ln>
+            <a:noFill/>
+          </a:ln>
+        </p:spPr>
+        <p:style>
+          <a:lnRef idx="2">
+            <a:schemeClr val="accent1">
+              <a:shade val="50000"/>
+            </a:schemeClr>
+          </a:lnRef>
+          <a:fillRef idx="1">
+            <a:schemeClr val="accent1"/>
+          </a:fillRef>
+          <a:effectRef idx="0">
+            <a:schemeClr val="accent1"/>
+          </a:effectRef>
+          <a:fontRef idx="minor">
+            <a:schemeClr val="lt1"/>
+          </a:fontRef>
+        </p:style>
+        <p:txBody>
+          <a:bodyPr rot="0" spcFirstLastPara="0" vertOverflow="overflow" horzOverflow="overflow" vert="horz" wrap="square" lIns="617220" tIns="34290" rIns="68580" bIns="34290" numCol="1" spcCol="0" rtlCol="0" fromWordArt="0" anchor="ctr" anchorCtr="0" forceAA="0" compatLnSpc="1">
+            <a:prstTxWarp prst="textNoShape">
+              <a:avLst/>
+            </a:prstTxWarp>
+            <a:noAutofit/>
+          </a:bodyPr>
+          <a:lstStyle/>
+          <a:p>
+            <a:r>
+              <a:rPr lang="en-US" sz="1400" b="1" cap="all" dirty="0" smtClean="0"/>
+              <a:t>Accessing variables</a:t>
+            </a:r>
+            <a:endParaRPr lang="en-US" sz="1400" b="1" cap="all" dirty="0"/>
+          </a:p>
+        </p:txBody>
+      </p:sp>
+      <p:sp>
+        <p:nvSpPr>
+          <p:cNvPr id="12" name="Right Arrow 11"/>
+          <p:cNvSpPr/>
+          <p:nvPr/>
+        </p:nvSpPr>
+        <p:spPr>
+          <a:xfrm>
+            <a:off x="5715000" y="4343400"/>
+            <a:ext cx="304800" cy="152400"/>
+          </a:xfrm>
+          <a:prstGeom prst="rightArrow">
+            <a:avLst/>
+          </a:prstGeom>
+        </p:spPr>
+        <p:style>
+          <a:lnRef idx="2">
+            <a:schemeClr val="dk1">
+              <a:shade val="50000"/>
+            </a:schemeClr>
+          </a:lnRef>
+          <a:fillRef idx="1">
+            <a:schemeClr val="dk1"/>
+          </a:fillRef>
+          <a:effectRef idx="0">
+            <a:schemeClr val="dk1"/>
+          </a:effectRef>
+          <a:fontRef idx="minor">
+            <a:schemeClr val="lt1"/>
+          </a:fontRef>
+        </p:style>
+        <p:txBody>
+          <a:bodyPr rtlCol="0" anchor="ctr"/>
+          <a:lstStyle/>
+          <a:p>
+            <a:pPr algn="ctr"/>
+            <a:endParaRPr lang="en-US"/>
+          </a:p>
+        </p:txBody>
+      </p:sp>
+      <p:sp>
+        <p:nvSpPr>
+          <p:cNvPr id="18436" name="Rectangle 4"/>
+          <p:cNvSpPr>
+            <a:spLocks noChangeArrowheads="1"/>
+          </p:cNvSpPr>
+          <p:nvPr/>
+        </p:nvSpPr>
+        <p:spPr bwMode="auto">
+          <a:xfrm>
+            <a:off x="6096000" y="4191000"/>
+            <a:ext cx="2819400" cy="276999"/>
+          </a:xfrm>
+          <a:prstGeom prst="rect">
+            <a:avLst/>
+          </a:prstGeom>
+          <a:noFill/>
+          <a:ln w="9525">
+            <a:noFill/>
+            <a:miter lim="800000"/>
+            <a:headEnd/>
+            <a:tailEnd/>
+          </a:ln>
+          <a:effectLst/>
+        </p:spPr>
+        <p:txBody>
+          <a:bodyPr vert="horz" wrap="square" lIns="91440" tIns="45720" rIns="91440" bIns="45720" numCol="1" anchor="ctr" anchorCtr="0" compatLnSpc="1">
+            <a:prstTxWarp prst="textNoShape">
+              <a:avLst/>
+            </a:prstTxWarp>
+            <a:spAutoFit/>
+          </a:bodyPr>
+          <a:lstStyle/>
+          <a:p>
+            <a:pPr marL="0" marR="0" lvl="0" indent="0" algn="l" defTabSz="914400" rtl="0" eaLnBrk="1" fontAlgn="base" latinLnBrk="0" hangingPunct="1">
+              <a:lnSpc>
+                <a:spcPct val="100000"/>
+              </a:lnSpc>
+              <a:spcBef>
+                <a:spcPct val="0"/>
+              </a:spcBef>
+              <a:spcAft>
+                <a:spcPct val="0"/>
+              </a:spcAft>
+              <a:buClrTx/>
+              <a:buSzTx/>
+              <a:buFontTx/>
+              <a:buNone/>
+              <a:tabLst/>
+            </a:pPr>
+            <a:r>
+              <a:rPr lang="en-US" sz="1200" dirty="0" smtClean="0"/>
+              <a:t>{% raw %} {{</a:t>
+            </a:r>
+            <a:r>
+              <a:rPr lang="en-US" sz="1200" dirty="0" err="1" smtClean="0"/>
+              <a:t>variableName</a:t>
+            </a:r>
+            <a:r>
+              <a:rPr lang="en-US" sz="1200" dirty="0" smtClean="0"/>
+              <a:t>}} {% </a:t>
+            </a:r>
+            <a:r>
+              <a:rPr lang="en-US" sz="1200" dirty="0" err="1" smtClean="0"/>
+              <a:t>endraw</a:t>
+            </a:r>
+            <a:r>
+              <a:rPr lang="en-US" sz="1200" dirty="0" smtClean="0"/>
+              <a:t> %} </a:t>
+            </a:r>
+            <a:endParaRPr lang="en-US" sz="1600" dirty="0" smtClean="0"/>
+          </a:p>
+        </p:txBody>
+      </p:sp>
+      <p:sp>
+        <p:nvSpPr>
+          <p:cNvPr id="14" name="Right Arrow 13"/>
+          <p:cNvSpPr/>
+          <p:nvPr/>
+        </p:nvSpPr>
+        <p:spPr>
+          <a:xfrm>
+            <a:off x="5715000" y="4724400"/>
+            <a:ext cx="304800" cy="152400"/>
+          </a:xfrm>
+          <a:prstGeom prst="rightArrow">
+            <a:avLst/>
+          </a:prstGeom>
+        </p:spPr>
+        <p:style>
+          <a:lnRef idx="2">
+            <a:schemeClr val="dk1">
+              <a:shade val="50000"/>
+            </a:schemeClr>
+          </a:lnRef>
+          <a:fillRef idx="1">
+            <a:schemeClr val="dk1"/>
+          </a:fillRef>
+          <a:effectRef idx="0">
+            <a:schemeClr val="dk1"/>
+          </a:effectRef>
+          <a:fontRef idx="minor">
+            <a:schemeClr val="lt1"/>
+          </a:fontRef>
+        </p:style>
+        <p:txBody>
+          <a:bodyPr rtlCol="0" anchor="ctr"/>
+          <a:lstStyle/>
+          <a:p>
+            <a:pPr algn="ctr"/>
+            <a:endParaRPr lang="en-US"/>
+          </a:p>
+        </p:txBody>
+      </p:sp>
+      <p:sp>
+        <p:nvSpPr>
+          <p:cNvPr id="15" name="Rectangle 4"/>
+          <p:cNvSpPr>
+            <a:spLocks noChangeArrowheads="1"/>
+          </p:cNvSpPr>
+          <p:nvPr/>
+        </p:nvSpPr>
+        <p:spPr bwMode="auto">
+          <a:xfrm>
+            <a:off x="6096000" y="4567535"/>
+            <a:ext cx="2819400" cy="461665"/>
+          </a:xfrm>
+          <a:prstGeom prst="rect">
+            <a:avLst/>
+          </a:prstGeom>
+          <a:noFill/>
+          <a:ln w="9525">
+            <a:noFill/>
+            <a:miter lim="800000"/>
+            <a:headEnd/>
+            <a:tailEnd/>
+          </a:ln>
+          <a:effectLst/>
+        </p:spPr>
+        <p:txBody>
+          <a:bodyPr vert="horz" wrap="square" lIns="91440" tIns="45720" rIns="91440" bIns="45720" numCol="1" anchor="ctr" anchorCtr="0" compatLnSpc="1">
+            <a:prstTxWarp prst="textNoShape">
+              <a:avLst/>
+            </a:prstTxWarp>
+            <a:spAutoFit/>
+          </a:bodyPr>
+          <a:lstStyle/>
+          <a:p>
+            <a:pPr marL="0" marR="0" lvl="0" indent="0" algn="l" defTabSz="914400" rtl="0" eaLnBrk="1" fontAlgn="base" latinLnBrk="0" hangingPunct="1">
+              <a:lnSpc>
+                <a:spcPct val="100000"/>
+              </a:lnSpc>
+              <a:spcBef>
+                <a:spcPct val="0"/>
+              </a:spcBef>
+              <a:spcAft>
+                <a:spcPct val="0"/>
+              </a:spcAft>
+              <a:buClrTx/>
+              <a:buSzTx/>
+              <a:buFont typeface="Arial" pitchFamily="34" charset="0"/>
+              <a:buChar char="•"/>
+              <a:tabLst/>
+            </a:pPr>
+            <a:r>
+              <a:rPr lang="en-US" sz="1200" dirty="0" err="1" smtClean="0"/>
+              <a:t>p</a:t>
+            </a:r>
+            <a:r>
+              <a:rPr lang="en-US" sz="1200" dirty="0" err="1" smtClean="0"/>
+              <a:t>m.environment.set</a:t>
+            </a:r>
+            <a:r>
+              <a:rPr lang="en-US" sz="1200" dirty="0" smtClean="0"/>
+              <a:t>() or </a:t>
+            </a:r>
+            <a:r>
+              <a:rPr lang="en-US" sz="1200" dirty="0" err="1" smtClean="0"/>
+              <a:t>pm.global.set</a:t>
+            </a:r>
+            <a:r>
+              <a:rPr lang="en-US" sz="1200" dirty="0" smtClean="0"/>
+              <a:t>()</a:t>
+            </a:r>
+          </a:p>
+          <a:p>
+            <a:pPr fontAlgn="base">
+              <a:spcBef>
+                <a:spcPct val="0"/>
+              </a:spcBef>
+              <a:spcAft>
+                <a:spcPct val="0"/>
+              </a:spcAft>
+              <a:buFont typeface="Arial" pitchFamily="34" charset="0"/>
+              <a:buChar char="•"/>
+            </a:pPr>
+            <a:r>
+              <a:rPr lang="en-US" sz="1200" dirty="0" smtClean="0"/>
+              <a:t> </a:t>
+            </a:r>
+            <a:r>
+              <a:rPr lang="en-US" sz="1200" dirty="0" err="1" smtClean="0"/>
+              <a:t>pm.environment.get</a:t>
+            </a:r>
+            <a:r>
+              <a:rPr lang="en-US" sz="1200" dirty="0" smtClean="0"/>
+              <a:t>() </a:t>
+            </a:r>
+            <a:r>
+              <a:rPr lang="en-US" sz="1200" dirty="0" smtClean="0"/>
+              <a:t>or </a:t>
+            </a:r>
+            <a:r>
+              <a:rPr lang="en-US" sz="1200" dirty="0" err="1" smtClean="0"/>
+              <a:t>pm.global.get</a:t>
+            </a:r>
+            <a:r>
+              <a:rPr lang="en-US" sz="1200" dirty="0" smtClean="0"/>
+              <a:t>()</a:t>
+            </a:r>
+            <a:endParaRPr lang="en-US" sz="1200" dirty="0" smtClean="0"/>
+          </a:p>
+        </p:txBody>
+      </p:sp>
+      <p:sp>
+        <p:nvSpPr>
+          <p:cNvPr id="16" name="Right Arrow 15"/>
+          <p:cNvSpPr/>
+          <p:nvPr/>
+        </p:nvSpPr>
+        <p:spPr>
+          <a:xfrm>
+            <a:off x="5715000" y="5257800"/>
+            <a:ext cx="304800" cy="152400"/>
+          </a:xfrm>
+          <a:prstGeom prst="rightArrow">
+            <a:avLst/>
+          </a:prstGeom>
+        </p:spPr>
+        <p:style>
+          <a:lnRef idx="2">
+            <a:schemeClr val="dk1">
+              <a:shade val="50000"/>
+            </a:schemeClr>
+          </a:lnRef>
+          <a:fillRef idx="1">
+            <a:schemeClr val="dk1"/>
+          </a:fillRef>
+          <a:effectRef idx="0">
+            <a:schemeClr val="dk1"/>
+          </a:effectRef>
+          <a:fontRef idx="minor">
+            <a:schemeClr val="lt1"/>
+          </a:fontRef>
+        </p:style>
+        <p:txBody>
+          <a:bodyPr rtlCol="0" anchor="ctr"/>
+          <a:lstStyle/>
+          <a:p>
+            <a:pPr algn="ctr"/>
+            <a:endParaRPr lang="en-US"/>
+          </a:p>
+        </p:txBody>
+      </p:sp>
+      <p:sp>
+        <p:nvSpPr>
+          <p:cNvPr id="17" name="Rectangle 4"/>
+          <p:cNvSpPr>
+            <a:spLocks noChangeArrowheads="1"/>
+          </p:cNvSpPr>
+          <p:nvPr/>
+        </p:nvSpPr>
+        <p:spPr bwMode="auto">
+          <a:xfrm>
+            <a:off x="6096000" y="5181600"/>
+            <a:ext cx="2590800" cy="276999"/>
+          </a:xfrm>
+          <a:prstGeom prst="rect">
+            <a:avLst/>
+          </a:prstGeom>
+          <a:noFill/>
+          <a:ln w="9525">
+            <a:noFill/>
+            <a:miter lim="800000"/>
+            <a:headEnd/>
+            <a:tailEnd/>
+          </a:ln>
+          <a:effectLst/>
+        </p:spPr>
+        <p:txBody>
+          <a:bodyPr vert="horz" wrap="square" lIns="91440" tIns="45720" rIns="91440" bIns="45720" numCol="1" anchor="ctr" anchorCtr="0" compatLnSpc="1">
+            <a:prstTxWarp prst="textNoShape">
+              <a:avLst/>
+            </a:prstTxWarp>
+            <a:spAutoFit/>
+          </a:bodyPr>
+          <a:lstStyle/>
+          <a:p>
+            <a:pPr marL="0" marR="0" lvl="0" indent="0" algn="l" defTabSz="914400" rtl="0" eaLnBrk="1" fontAlgn="base" latinLnBrk="0" hangingPunct="1">
+              <a:lnSpc>
+                <a:spcPct val="100000"/>
+              </a:lnSpc>
+              <a:spcBef>
+                <a:spcPct val="0"/>
+              </a:spcBef>
+              <a:spcAft>
+                <a:spcPct val="0"/>
+              </a:spcAft>
+              <a:buClrTx/>
+              <a:buSzTx/>
+              <a:buFont typeface="Arial" pitchFamily="34" charset="0"/>
+              <a:buChar char="•"/>
+              <a:tabLst/>
+            </a:pPr>
+            <a:r>
+              <a:rPr lang="en-US" sz="1200" dirty="0" err="1" smtClean="0"/>
+              <a:t>p</a:t>
+            </a:r>
+            <a:r>
+              <a:rPr lang="en-US" sz="1200" dirty="0" err="1" smtClean="0"/>
+              <a:t>m.iterationData.get</a:t>
+            </a:r>
+            <a:r>
+              <a:rPr lang="en-US" sz="1200" dirty="0" smtClean="0"/>
+              <a:t>(“username”)</a:t>
+            </a:r>
+            <a:endParaRPr lang="en-US" sz="1200" dirty="0" smtClean="0"/>
+          </a:p>
+        </p:txBody>
+      </p:sp>
+      <p:sp>
+        <p:nvSpPr>
+          <p:cNvPr id="18" name="Right Arrow 17"/>
+          <p:cNvSpPr/>
+          <p:nvPr/>
+        </p:nvSpPr>
+        <p:spPr>
+          <a:xfrm>
+            <a:off x="5715000" y="6096000"/>
+            <a:ext cx="304800" cy="152400"/>
+          </a:xfrm>
+          <a:prstGeom prst="rightArrow">
+            <a:avLst/>
+          </a:prstGeom>
+        </p:spPr>
+        <p:style>
+          <a:lnRef idx="2">
+            <a:schemeClr val="dk1">
+              <a:shade val="50000"/>
+            </a:schemeClr>
+          </a:lnRef>
+          <a:fillRef idx="1">
+            <a:schemeClr val="dk1"/>
+          </a:fillRef>
+          <a:effectRef idx="0">
+            <a:schemeClr val="dk1"/>
+          </a:effectRef>
+          <a:fontRef idx="minor">
+            <a:schemeClr val="lt1"/>
+          </a:fontRef>
+        </p:style>
+        <p:txBody>
+          <a:bodyPr rtlCol="0" anchor="ctr"/>
+          <a:lstStyle/>
+          <a:p>
+            <a:pPr algn="ctr"/>
+            <a:endParaRPr lang="en-US"/>
+          </a:p>
+        </p:txBody>
+      </p:sp>
+      <p:sp>
+        <p:nvSpPr>
+          <p:cNvPr id="19" name="Rectangle 4"/>
+          <p:cNvSpPr>
+            <a:spLocks noChangeArrowheads="1"/>
+          </p:cNvSpPr>
+          <p:nvPr/>
+        </p:nvSpPr>
+        <p:spPr bwMode="auto">
+          <a:xfrm>
+            <a:off x="6096000" y="6047601"/>
+            <a:ext cx="2819400" cy="276999"/>
+          </a:xfrm>
+          <a:prstGeom prst="rect">
+            <a:avLst/>
+          </a:prstGeom>
+          <a:noFill/>
+          <a:ln w="9525">
+            <a:noFill/>
+            <a:miter lim="800000"/>
+            <a:headEnd/>
+            <a:tailEnd/>
+          </a:ln>
+          <a:effectLst/>
+        </p:spPr>
+        <p:txBody>
+          <a:bodyPr vert="horz" wrap="square" lIns="91440" tIns="45720" rIns="91440" bIns="45720" numCol="1" anchor="ctr" anchorCtr="0" compatLnSpc="1">
+            <a:prstTxWarp prst="textNoShape">
+              <a:avLst/>
+            </a:prstTxWarp>
+            <a:spAutoFit/>
+          </a:bodyPr>
+          <a:lstStyle/>
+          <a:p>
+            <a:pPr lvl="0" fontAlgn="base">
+              <a:spcBef>
+                <a:spcPct val="0"/>
+              </a:spcBef>
+              <a:spcAft>
+                <a:spcPct val="0"/>
+              </a:spcAft>
+            </a:pPr>
+            <a:r>
+              <a:rPr lang="en-US" sz="1200" dirty="0" smtClean="0"/>
+              <a:t>{% </a:t>
+            </a:r>
+            <a:r>
+              <a:rPr lang="en-US" sz="1200" dirty="0" smtClean="0"/>
+              <a:t>raw %} {{</a:t>
+            </a:r>
+            <a:r>
+              <a:rPr lang="en-US" sz="1200" dirty="0" err="1" smtClean="0"/>
+              <a:t>variableName</a:t>
+            </a:r>
+            <a:r>
+              <a:rPr lang="en-US" sz="1200" dirty="0" smtClean="0"/>
+              <a:t>}} {% </a:t>
+            </a:r>
+            <a:r>
+              <a:rPr lang="en-US" sz="1200" dirty="0" err="1" smtClean="0"/>
+              <a:t>endraw</a:t>
+            </a:r>
+            <a:r>
+              <a:rPr lang="en-US" sz="1200" dirty="0" smtClean="0"/>
+              <a:t> %}</a:t>
+            </a:r>
+          </a:p>
+        </p:txBody>
+      </p:sp>
+    </p:spTree>
+  </p:cSld>
+  <p:clrMapOvr>
+    <a:masterClrMapping/>
+  </p:clrMapOvr>
+</p:sld>
+</file>
+
+<file path=ppt/slides/slide7.xml><?xml version="1.0" encoding="utf-8"?>
+<p:sld xmlns:a="http://schemas.openxmlformats.org/drawingml/2006/main" xmlns:r="http://schemas.openxmlformats.org/officeDocument/2006/relationships" xmlns:p="http://schemas.openxmlformats.org/presentationml/2006/main">
+  <p:cSld>
+    <p:spTree>
+      <p:nvGrpSpPr>
+        <p:cNvPr id="1" name=""/>
+        <p:cNvGrpSpPr/>
+        <p:nvPr/>
+      </p:nvGrpSpPr>
+      <p:grpSpPr>
+        <a:xfrm>
+          <a:off x="0" y="0"/>
+          <a:ext cx="0" cy="0"/>
+          <a:chOff x="0" y="0"/>
+          <a:chExt cx="0" cy="0"/>
+        </a:xfrm>
+      </p:grpSpPr>
+      <p:sp>
+        <p:nvSpPr>
+          <p:cNvPr id="2" name="Title 1"/>
+          <p:cNvSpPr>
+            <a:spLocks noGrp="1"/>
+          </p:cNvSpPr>
+          <p:nvPr>
+            <p:ph type="title"/>
+          </p:nvPr>
+        </p:nvSpPr>
+        <p:spPr>
+          <a:xfrm>
+            <a:off x="457200" y="274638"/>
+            <a:ext cx="8229600" cy="792162"/>
+          </a:xfrm>
+        </p:spPr>
+        <p:txBody>
+          <a:bodyPr>
+            <a:normAutofit/>
+          </a:bodyPr>
+          <a:lstStyle/>
+          <a:p>
+            <a:r>
+              <a:rPr lang="en-US" sz="3200" dirty="0" smtClean="0"/>
+              <a:t>Automated Testing with </a:t>
+            </a:r>
+            <a:r>
+              <a:rPr lang="en-US" sz="3200" dirty="0" smtClean="0"/>
+              <a:t>Newman</a:t>
+            </a:r>
+            <a:endParaRPr lang="en-US" sz="3200" dirty="0"/>
+          </a:p>
+        </p:txBody>
+      </p:sp>
+      <p:sp>
+        <p:nvSpPr>
+          <p:cNvPr id="3" name="Content Placeholder 2"/>
+          <p:cNvSpPr>
+            <a:spLocks noGrp="1"/>
+          </p:cNvSpPr>
+          <p:nvPr>
+            <p:ph idx="1"/>
+          </p:nvPr>
+        </p:nvSpPr>
+        <p:spPr>
+          <a:xfrm>
+            <a:off x="457200" y="1143000"/>
+            <a:ext cx="8229600" cy="4525963"/>
+          </a:xfrm>
+        </p:spPr>
+        <p:txBody>
+          <a:bodyPr/>
+          <a:lstStyle/>
+          <a:p>
+            <a:r>
+              <a:rPr lang="en-US" dirty="0" smtClean="0"/>
+              <a:t>// TODO</a:t>
+            </a:r>
+            <a:endParaRPr lang="en-US" dirty="0"/>
+          </a:p>
+        </p:txBody>
+      </p:sp>
+    </p:spTree>
+  </p:cSld>
+  <p:clrMapOvr>
+    <a:masterClrMapping/>
+  </p:clrMapOvr>
+</p:sld>
+</file>
+
+<file path=ppt/slides/slide8.xml><?xml version="1.0" encoding="utf-8"?>
+<p:sld xmlns:a="http://schemas.openxmlformats.org/drawingml/2006/main" xmlns:r="http://schemas.openxmlformats.org/officeDocument/2006/relationships" xmlns:p="http://schemas.openxmlformats.org/presentationml/2006/main">
+  <p:cSld>
+    <p:spTree>
+      <p:nvGrpSpPr>
+        <p:cNvPr id="1" name=""/>
+        <p:cNvGrpSpPr/>
+        <p:nvPr/>
+      </p:nvGrpSpPr>
+      <p:grpSpPr>
+        <a:xfrm>
+          <a:off x="0" y="0"/>
+          <a:ext cx="0" cy="0"/>
+          <a:chOff x="0" y="0"/>
+          <a:chExt cx="0" cy="0"/>
+        </a:xfrm>
+      </p:grpSpPr>
+      <p:sp>
+        <p:nvSpPr>
+          <p:cNvPr id="5" name="Title 4"/>
+          <p:cNvSpPr>
+            <a:spLocks noGrp="1"/>
+          </p:cNvSpPr>
+          <p:nvPr>
+            <p:ph type="title"/>
+          </p:nvPr>
+        </p:nvSpPr>
+        <p:spPr>
+          <a:xfrm>
+            <a:off x="457200" y="274638"/>
+            <a:ext cx="8229600" cy="944562"/>
+          </a:xfrm>
+        </p:spPr>
+        <p:txBody>
+          <a:bodyPr>
+            <a:normAutofit/>
+          </a:bodyPr>
+          <a:lstStyle/>
+          <a:p>
+            <a:r>
+              <a:rPr lang="en-US" sz="3200" dirty="0" smtClean="0"/>
+              <a:t>References &amp; Learning</a:t>
+            </a:r>
+            <a:endParaRPr lang="en-US" sz="3200" dirty="0"/>
+          </a:p>
+        </p:txBody>
+      </p:sp>
+      <p:sp>
+        <p:nvSpPr>
+          <p:cNvPr id="6" name="Content Placeholder 5"/>
+          <p:cNvSpPr>
+            <a:spLocks noGrp="1"/>
+          </p:cNvSpPr>
+          <p:nvPr>
+            <p:ph idx="1"/>
+          </p:nvPr>
+        </p:nvSpPr>
+        <p:spPr>
+          <a:xfrm>
+            <a:off x="457200" y="1493837"/>
+            <a:ext cx="8229600" cy="4525963"/>
+          </a:xfrm>
+        </p:spPr>
+        <p:txBody>
+          <a:bodyPr>
+            <a:normAutofit/>
+          </a:bodyPr>
+          <a:lstStyle/>
+          <a:p>
+            <a:r>
+              <a:rPr lang="en-US" sz="2400" dirty="0" smtClean="0">
+                <a:hlinkClick r:id="rId2"/>
+              </a:rPr>
+              <a:t>https://learning.getpostman.com/docs/postman/launching_postman/installation_and_updates</a:t>
+            </a:r>
+            <a:r>
+              <a:rPr lang="en-US" sz="2400" dirty="0" smtClean="0">
+                <a:hlinkClick r:id="rId2"/>
+              </a:rPr>
+              <a:t>/</a:t>
+            </a:r>
+            <a:endParaRPr lang="en-US" sz="2400" dirty="0" smtClean="0"/>
+          </a:p>
+          <a:p>
+            <a:r>
+              <a:rPr lang="en-US" sz="2400" dirty="0" smtClean="0">
+                <a:hlinkClick r:id="rId3"/>
+              </a:rPr>
+              <a:t>http://blog.getpostman.com/2014/10/28/using-csv-and-json-files-in-the-postman-collection-runner/?_</a:t>
+            </a:r>
+            <a:r>
+              <a:rPr lang="en-US" sz="2400" dirty="0" smtClean="0">
+                <a:hlinkClick r:id="rId3"/>
+              </a:rPr>
+              <a:t>ga=2.123063947.1206661868.1546906314-1179543638.1546679075</a:t>
+            </a:r>
+            <a:endParaRPr lang="en-US" sz="2400" dirty="0" smtClean="0"/>
+          </a:p>
+          <a:p>
+            <a:r>
+              <a:rPr lang="en-US" sz="2400" dirty="0" smtClean="0">
+                <a:hlinkClick r:id="rId4"/>
+              </a:rPr>
+              <a:t>https://www.qasymphony.com/blog/automated-api-testing-tutorial</a:t>
+            </a:r>
+            <a:r>
+              <a:rPr lang="en-US" sz="2400" dirty="0" smtClean="0">
+                <a:hlinkClick r:id="rId4"/>
+              </a:rPr>
+              <a:t>/</a:t>
+            </a:r>
+            <a:endParaRPr lang="en-US" sz="2400" dirty="0" smtClean="0"/>
+          </a:p>
+          <a:p>
+            <a:r>
+              <a:rPr lang="en-US" sz="2400" dirty="0" smtClean="0">
+                <a:hlinkClick r:id="rId5"/>
+              </a:rPr>
+              <a:t>https</a:t>
+            </a:r>
+            <a:r>
+              <a:rPr lang="en-US" sz="2400" dirty="0" smtClean="0">
+                <a:hlinkClick r:id="rId5"/>
+              </a:rPr>
+              <a:t>://</a:t>
+            </a:r>
+            <a:r>
+              <a:rPr lang="en-US" sz="2400" dirty="0" smtClean="0">
+                <a:hlinkClick r:id="rId5"/>
+              </a:rPr>
+              <a:t>www.npmjs.com/package/newman</a:t>
+            </a:r>
+            <a:endParaRPr lang="en-US" sz="2400" dirty="0" smtClean="0"/>
           </a:p>
         </p:txBody>
       </p:sp>
